--- a/RPG風.pptx
+++ b/RPG風.pptx
@@ -15,7 +15,8 @@
     <p:sldId id="276" r:id="rId9"/>
     <p:sldId id="277" r:id="rId10"/>
     <p:sldId id="278" r:id="rId11"/>
-    <p:sldId id="279" r:id="rId12"/>
+    <p:sldId id="280" r:id="rId12"/>
+    <p:sldId id="279" r:id="rId13"/>
   </p:sldIdLst>
   <p:sldSz cx="9144000" cy="6858000" type="screen4x3"/>
   <p:notesSz cx="6858000" cy="9144000"/>
@@ -245,7 +246,7 @@
           <a:p>
             <a:fld id="{11043951-D289-42A2-8424-F40EB6D69C3A}" type="datetimeFigureOut">
               <a:rPr kumimoji="1" lang="ja-JP" altLang="en-US" smtClean="0"/>
-              <a:t>2016/11/30</a:t>
+              <a:t>2016/12/2</a:t>
             </a:fld>
             <a:endParaRPr kumimoji="1" lang="ja-JP" altLang="en-US"/>
           </a:p>
@@ -534,7 +535,7 @@
           <a:p>
             <a:fld id="{11043951-D289-42A2-8424-F40EB6D69C3A}" type="datetimeFigureOut">
               <a:rPr kumimoji="1" lang="ja-JP" altLang="en-US" smtClean="0"/>
-              <a:t>2016/11/30</a:t>
+              <a:t>2016/12/2</a:t>
             </a:fld>
             <a:endParaRPr kumimoji="1" lang="ja-JP" altLang="en-US"/>
           </a:p>
@@ -746,7 +747,7 @@
           <a:p>
             <a:fld id="{11043951-D289-42A2-8424-F40EB6D69C3A}" type="datetimeFigureOut">
               <a:rPr kumimoji="1" lang="ja-JP" altLang="en-US" smtClean="0"/>
-              <a:t>2016/11/30</a:t>
+              <a:t>2016/12/2</a:t>
             </a:fld>
             <a:endParaRPr kumimoji="1" lang="ja-JP" altLang="en-US"/>
           </a:p>
@@ -948,7 +949,7 @@
           <a:p>
             <a:fld id="{11043951-D289-42A2-8424-F40EB6D69C3A}" type="datetimeFigureOut">
               <a:rPr kumimoji="1" lang="ja-JP" altLang="en-US" smtClean="0"/>
-              <a:t>2016/11/30</a:t>
+              <a:t>2016/12/2</a:t>
             </a:fld>
             <a:endParaRPr kumimoji="1" lang="ja-JP" altLang="en-US"/>
           </a:p>
@@ -1192,7 +1193,7 @@
           <a:p>
             <a:fld id="{11043951-D289-42A2-8424-F40EB6D69C3A}" type="datetimeFigureOut">
               <a:rPr kumimoji="1" lang="ja-JP" altLang="en-US" smtClean="0"/>
-              <a:t>2016/11/30</a:t>
+              <a:t>2016/12/2</a:t>
             </a:fld>
             <a:endParaRPr kumimoji="1" lang="ja-JP" altLang="en-US"/>
           </a:p>
@@ -1488,7 +1489,7 @@
           <a:p>
             <a:fld id="{11043951-D289-42A2-8424-F40EB6D69C3A}" type="datetimeFigureOut">
               <a:rPr kumimoji="1" lang="ja-JP" altLang="en-US" smtClean="0"/>
-              <a:t>2016/11/30</a:t>
+              <a:t>2016/12/2</a:t>
             </a:fld>
             <a:endParaRPr kumimoji="1" lang="ja-JP" altLang="en-US"/>
           </a:p>
@@ -1919,7 +1920,7 @@
           <a:p>
             <a:fld id="{11043951-D289-42A2-8424-F40EB6D69C3A}" type="datetimeFigureOut">
               <a:rPr kumimoji="1" lang="ja-JP" altLang="en-US" smtClean="0"/>
-              <a:t>2016/11/30</a:t>
+              <a:t>2016/12/2</a:t>
             </a:fld>
             <a:endParaRPr kumimoji="1" lang="ja-JP" altLang="en-US"/>
           </a:p>
@@ -2251,7 +2252,7 @@
           <a:p>
             <a:fld id="{11043951-D289-42A2-8424-F40EB6D69C3A}" type="datetimeFigureOut">
               <a:rPr kumimoji="1" lang="ja-JP" altLang="en-US" smtClean="0"/>
-              <a:t>2016/11/30</a:t>
+              <a:t>2016/12/2</a:t>
             </a:fld>
             <a:endParaRPr kumimoji="1" lang="ja-JP" altLang="en-US"/>
           </a:p>
@@ -2767,7 +2768,7 @@
           <a:p>
             <a:fld id="{11043951-D289-42A2-8424-F40EB6D69C3A}" type="datetimeFigureOut">
               <a:rPr kumimoji="1" lang="ja-JP" altLang="en-US" smtClean="0"/>
-              <a:t>2016/11/30</a:t>
+              <a:t>2016/12/2</a:t>
             </a:fld>
             <a:endParaRPr kumimoji="1" lang="ja-JP" altLang="en-US"/>
           </a:p>
@@ -3024,7 +3025,7 @@
           <a:p>
             <a:fld id="{11043951-D289-42A2-8424-F40EB6D69C3A}" type="datetimeFigureOut">
               <a:rPr kumimoji="1" lang="ja-JP" altLang="en-US" smtClean="0"/>
-              <a:t>2016/11/30</a:t>
+              <a:t>2016/12/2</a:t>
             </a:fld>
             <a:endParaRPr kumimoji="1" lang="ja-JP" altLang="en-US"/>
           </a:p>
@@ -3269,7 +3270,7 @@
           <a:p>
             <a:fld id="{11043951-D289-42A2-8424-F40EB6D69C3A}" type="datetimeFigureOut">
               <a:rPr kumimoji="1" lang="ja-JP" altLang="en-US" smtClean="0"/>
-              <a:t>2016/11/30</a:t>
+              <a:t>2016/12/2</a:t>
             </a:fld>
             <a:endParaRPr kumimoji="1" lang="ja-JP" altLang="en-US"/>
           </a:p>
@@ -3752,8 +3753,8 @@
         </p:nvSpPr>
         <p:spPr>
           <a:xfrm>
-            <a:off x="1153912" y="1490008"/>
-            <a:ext cx="6836175" cy="1938992"/>
+            <a:off x="1683657" y="1859340"/>
+            <a:ext cx="7460343" cy="1569660"/>
           </a:xfrm>
           <a:prstGeom prst="rect">
             <a:avLst/>
@@ -3768,7 +3769,7 @@
           <a:p>
             <a:pPr algn="ctr"/>
             <a:r>
-              <a:rPr kumimoji="1" lang="ja-JP" altLang="en-US" sz="6000" b="1" dirty="0">
+              <a:rPr kumimoji="1" lang="ja-JP" altLang="en-US" sz="4800" b="1" dirty="0">
                 <a:ln w="25400">
                   <a:solidFill>
                     <a:srgbClr val="002060"/>
@@ -3781,7 +3782,39 @@
                 <a:ea typeface="メイリオ" panose="020B0604030504040204" pitchFamily="50" charset="-128"/>
                 <a:cs typeface="メイリオ" panose="020B0604030504040204" pitchFamily="50" charset="-128"/>
               </a:rPr>
-              <a:t>友達とゲームの話で盛り上がれる</a:t>
+              <a:t>新しい友達とも楽しく</a:t>
+            </a:r>
+            <a:endParaRPr kumimoji="1" lang="en-US" altLang="ja-JP" sz="4800" b="1" dirty="0">
+              <a:ln w="25400">
+                <a:solidFill>
+                  <a:srgbClr val="002060"/>
+                </a:solidFill>
+              </a:ln>
+              <a:solidFill>
+                <a:schemeClr val="bg1"/>
+              </a:solidFill>
+              <a:latin typeface="メイリオ" panose="020B0604030504040204" pitchFamily="50" charset="-128"/>
+              <a:ea typeface="メイリオ" panose="020B0604030504040204" pitchFamily="50" charset="-128"/>
+              <a:cs typeface="メイリオ" panose="020B0604030504040204" pitchFamily="50" charset="-128"/>
+            </a:endParaRPr>
+          </a:p>
+          <a:p>
+            <a:pPr algn="ctr"/>
+            <a:r>
+              <a:rPr kumimoji="1" lang="ja-JP" altLang="en-US" sz="4800" b="1" dirty="0">
+                <a:ln w="25400">
+                  <a:solidFill>
+                    <a:srgbClr val="002060"/>
+                  </a:solidFill>
+                </a:ln>
+                <a:solidFill>
+                  <a:schemeClr val="bg1"/>
+                </a:solidFill>
+                <a:latin typeface="メイリオ" panose="020B0604030504040204" pitchFamily="50" charset="-128"/>
+                <a:ea typeface="メイリオ" panose="020B0604030504040204" pitchFamily="50" charset="-128"/>
+                <a:cs typeface="メイリオ" panose="020B0604030504040204" pitchFamily="50" charset="-128"/>
+              </a:rPr>
+              <a:t>みんなで盛り上がれる</a:t>
             </a:r>
           </a:p>
         </p:txBody>
@@ -3794,7 +3827,7 @@
         </p:nvSpPr>
         <p:spPr>
           <a:xfrm>
-            <a:off x="4015413" y="4583147"/>
+            <a:off x="3173585" y="5236292"/>
             <a:ext cx="4742278" cy="769441"/>
           </a:xfrm>
           <a:prstGeom prst="rect">
@@ -3855,7 +3888,7 @@
         </p:nvSpPr>
         <p:spPr>
           <a:xfrm>
-            <a:off x="1814552" y="3752664"/>
+            <a:off x="363124" y="4405295"/>
             <a:ext cx="4572000" cy="830997"/>
           </a:xfrm>
           <a:prstGeom prst="rect">
@@ -3885,45 +3918,6 @@
               <a:solidFill>
                 <a:srgbClr val="002060"/>
               </a:solidFill>
-              <a:latin typeface="メイリオ" panose="020B0604030504040204" pitchFamily="50" charset="-128"/>
-              <a:ea typeface="メイリオ" panose="020B0604030504040204" pitchFamily="50" charset="-128"/>
-              <a:cs typeface="メイリオ" panose="020B0604030504040204" pitchFamily="50" charset="-128"/>
-            </a:endParaRPr>
-          </a:p>
-        </p:txBody>
-      </p:sp>
-      <p:sp>
-        <p:nvSpPr>
-          <p:cNvPr id="8" name="テキスト ボックス 7"/>
-          <p:cNvSpPr txBox="1"/>
-          <p:nvPr/>
-        </p:nvSpPr>
-        <p:spPr>
-          <a:xfrm>
-            <a:off x="1552353" y="3968107"/>
-            <a:ext cx="1170006" cy="400110"/>
-          </a:xfrm>
-          <a:prstGeom prst="rect">
-            <a:avLst/>
-          </a:prstGeom>
-          <a:noFill/>
-        </p:spPr>
-        <p:txBody>
-          <a:bodyPr wrap="square" rtlCol="0">
-            <a:spAutoFit/>
-          </a:bodyPr>
-          <a:lstStyle/>
-          <a:p>
-            <a:pPr algn="ctr"/>
-            <a:r>
-              <a:rPr lang="ja-JP" altLang="en-US" sz="2000" dirty="0">
-                <a:latin typeface="メイリオ" panose="020B0604030504040204" pitchFamily="50" charset="-128"/>
-                <a:ea typeface="メイリオ" panose="020B0604030504040204" pitchFamily="50" charset="-128"/>
-                <a:cs typeface="メイリオ" panose="020B0604030504040204" pitchFamily="50" charset="-128"/>
-              </a:rPr>
-              <a:t>から</a:t>
-            </a:r>
-            <a:endParaRPr kumimoji="1" lang="en-US" altLang="ja-JP" sz="2800" dirty="0">
               <a:latin typeface="メイリオ" panose="020B0604030504040204" pitchFamily="50" charset="-128"/>
               <a:ea typeface="メイリオ" panose="020B0604030504040204" pitchFamily="50" charset="-128"/>
               <a:cs typeface="メイリオ" panose="020B0604030504040204" pitchFamily="50" charset="-128"/>
@@ -3969,8 +3963,8 @@
         </p:nvSpPr>
         <p:spPr>
           <a:xfrm>
-            <a:off x="1153912" y="1830250"/>
-            <a:ext cx="6836175" cy="1015663"/>
+            <a:off x="1153912" y="3044279"/>
+            <a:ext cx="6836175" cy="769441"/>
           </a:xfrm>
           <a:prstGeom prst="rect">
             <a:avLst/>
@@ -3985,7 +3979,7 @@
           <a:p>
             <a:pPr algn="ctr"/>
             <a:r>
-              <a:rPr kumimoji="1" lang="ja-JP" altLang="en-US" sz="6000" b="1" dirty="0">
+              <a:rPr kumimoji="1" lang="ja-JP" altLang="en-US" sz="4400" b="1" dirty="0">
                 <a:ln w="25400">
                   <a:solidFill>
                     <a:srgbClr val="002060"/>
@@ -3998,36 +3992,10 @@
                 <a:ea typeface="メイリオ" panose="020B0604030504040204" pitchFamily="50" charset="-128"/>
                 <a:cs typeface="メイリオ" panose="020B0604030504040204" pitchFamily="50" charset="-128"/>
               </a:rPr>
-              <a:t>お皿洗い</a:t>
-            </a:r>
-          </a:p>
-        </p:txBody>
-      </p:sp>
-      <p:sp>
-        <p:nvSpPr>
-          <p:cNvPr id="9" name="テキスト ボックス 8"/>
-          <p:cNvSpPr txBox="1"/>
-          <p:nvPr/>
-        </p:nvSpPr>
-        <p:spPr>
-          <a:xfrm>
-            <a:off x="1153911" y="4215488"/>
-            <a:ext cx="6836175" cy="1015663"/>
-          </a:xfrm>
-          <a:prstGeom prst="rect">
-            <a:avLst/>
-          </a:prstGeom>
-          <a:noFill/>
-        </p:spPr>
-        <p:txBody>
-          <a:bodyPr wrap="square" rtlCol="0">
-            <a:spAutoFit/>
-          </a:bodyPr>
-          <a:lstStyle/>
-          <a:p>
-            <a:pPr algn="ctr"/>
-            <a:r>
-              <a:rPr kumimoji="1" lang="ja-JP" altLang="en-US" sz="6000" b="1" dirty="0">
+              <a:t>もし買ってくれるなら</a:t>
+            </a:r>
+            <a:r>
+              <a:rPr kumimoji="1" lang="en-US" altLang="ja-JP" sz="4400" b="1" dirty="0">
                 <a:ln w="25400">
                   <a:solidFill>
                     <a:srgbClr val="002060"/>
@@ -4040,10 +4008,79 @@
                 <a:ea typeface="メイリオ" panose="020B0604030504040204" pitchFamily="50" charset="-128"/>
                 <a:cs typeface="メイリオ" panose="020B0604030504040204" pitchFamily="50" charset="-128"/>
               </a:rPr>
-              <a:t>週に</a:t>
-            </a:r>
-            <a:r>
-              <a:rPr kumimoji="1" lang="en-US" altLang="ja-JP" sz="6000" b="1" dirty="0">
+              <a:t>…</a:t>
+            </a:r>
+            <a:endParaRPr kumimoji="1" lang="ja-JP" altLang="en-US" sz="4400" b="1" dirty="0">
+              <a:ln w="25400">
+                <a:solidFill>
+                  <a:srgbClr val="002060"/>
+                </a:solidFill>
+              </a:ln>
+              <a:solidFill>
+                <a:schemeClr val="bg1"/>
+              </a:solidFill>
+              <a:latin typeface="メイリオ" panose="020B0604030504040204" pitchFamily="50" charset="-128"/>
+              <a:ea typeface="メイリオ" panose="020B0604030504040204" pitchFamily="50" charset="-128"/>
+              <a:cs typeface="メイリオ" panose="020B0604030504040204" pitchFamily="50" charset="-128"/>
+            </a:endParaRPr>
+          </a:p>
+        </p:txBody>
+      </p:sp>
+    </p:spTree>
+    <p:extLst>
+      <p:ext uri="{BB962C8B-B14F-4D97-AF65-F5344CB8AC3E}">
+        <p14:creationId xmlns:p14="http://schemas.microsoft.com/office/powerpoint/2010/main" val="3393112013"/>
+      </p:ext>
+    </p:extLst>
+  </p:cSld>
+  <p:clrMapOvr>
+    <a:masterClrMapping/>
+  </p:clrMapOvr>
+</p:sld>
+</file>
+
+<file path=ppt/slides/slide12.xml><?xml version="1.0" encoding="utf-8"?>
+<p:sld xmlns:a="http://schemas.openxmlformats.org/drawingml/2006/main" xmlns:r="http://schemas.openxmlformats.org/officeDocument/2006/relationships" xmlns:p="http://schemas.openxmlformats.org/presentationml/2006/main">
+  <p:cSld>
+    <p:spTree>
+      <p:nvGrpSpPr>
+        <p:cNvPr id="1" name=""/>
+        <p:cNvGrpSpPr/>
+        <p:nvPr/>
+      </p:nvGrpSpPr>
+      <p:grpSpPr>
+        <a:xfrm>
+          <a:off x="0" y="0"/>
+          <a:ext cx="0" cy="0"/>
+          <a:chOff x="0" y="0"/>
+          <a:chExt cx="0" cy="0"/>
+        </a:xfrm>
+      </p:grpSpPr>
+      <p:sp>
+        <p:nvSpPr>
+          <p:cNvPr id="5" name="テキスト ボックス 4"/>
+          <p:cNvSpPr txBox="1"/>
+          <p:nvPr/>
+        </p:nvSpPr>
+        <p:spPr>
+          <a:xfrm>
+            <a:off x="1153912" y="1714680"/>
+            <a:ext cx="6836175" cy="769441"/>
+          </a:xfrm>
+          <a:prstGeom prst="rect">
+            <a:avLst/>
+          </a:prstGeom>
+          <a:noFill/>
+        </p:spPr>
+        <p:txBody>
+          <a:bodyPr wrap="square" rtlCol="0">
+            <a:spAutoFit/>
+          </a:bodyPr>
+          <a:lstStyle/>
+          <a:p>
+            <a:pPr algn="ctr"/>
+            <a:r>
+              <a:rPr kumimoji="1" lang="ja-JP" altLang="en-US" sz="4400" b="1" dirty="0">
                 <a:ln w="25400">
                   <a:solidFill>
                     <a:srgbClr val="002060"/>
@@ -4056,10 +4093,36 @@
                 <a:ea typeface="メイリオ" panose="020B0604030504040204" pitchFamily="50" charset="-128"/>
                 <a:cs typeface="メイリオ" panose="020B0604030504040204" pitchFamily="50" charset="-128"/>
               </a:rPr>
-              <a:t>3</a:t>
-            </a:r>
-            <a:r>
-              <a:rPr kumimoji="1" lang="ja-JP" altLang="en-US" sz="6000" b="1" dirty="0">
+              <a:t>食器洗い</a:t>
+            </a:r>
+          </a:p>
+        </p:txBody>
+      </p:sp>
+      <p:sp>
+        <p:nvSpPr>
+          <p:cNvPr id="9" name="テキスト ボックス 8"/>
+          <p:cNvSpPr txBox="1"/>
+          <p:nvPr/>
+        </p:nvSpPr>
+        <p:spPr>
+          <a:xfrm>
+            <a:off x="246743" y="4215488"/>
+            <a:ext cx="7743344" cy="1569660"/>
+          </a:xfrm>
+          <a:prstGeom prst="rect">
+            <a:avLst/>
+          </a:prstGeom>
+          <a:noFill/>
+        </p:spPr>
+        <p:txBody>
+          <a:bodyPr wrap="square" rtlCol="0">
+            <a:spAutoFit/>
+          </a:bodyPr>
+          <a:lstStyle/>
+          <a:p>
+            <a:pPr algn="ctr"/>
+            <a:r>
+              <a:rPr kumimoji="1" lang="ja-JP" altLang="en-US" sz="4800" b="1" dirty="0">
                 <a:ln w="25400">
                   <a:solidFill>
                     <a:srgbClr val="002060"/>
@@ -4072,21 +4135,69 @@
                 <a:ea typeface="メイリオ" panose="020B0604030504040204" pitchFamily="50" charset="-128"/>
                 <a:cs typeface="メイリオ" panose="020B0604030504040204" pitchFamily="50" charset="-128"/>
               </a:rPr>
-              <a:t>回</a:t>
-            </a:r>
-          </a:p>
-        </p:txBody>
-      </p:sp>
-      <p:sp>
-        <p:nvSpPr>
-          <p:cNvPr id="10" name="テキスト ボックス 9"/>
+              <a:t>毎日朝ごはんを食べた後と，夜ご飯食べた後</a:t>
+            </a:r>
+          </a:p>
+        </p:txBody>
+      </p:sp>
+      <p:sp>
+        <p:nvSpPr>
+          <p:cNvPr id="2" name="右矢印 1"/>
+          <p:cNvSpPr/>
+          <p:nvPr/>
+        </p:nvSpPr>
+        <p:spPr>
+          <a:xfrm rot="5400000">
+            <a:off x="4238171" y="3089728"/>
+            <a:ext cx="667657" cy="678543"/>
+          </a:xfrm>
+          <a:prstGeom prst="rightArrow">
+            <a:avLst/>
+          </a:prstGeom>
+          <a:solidFill>
+            <a:schemeClr val="bg1"/>
+          </a:solidFill>
+          <a:ln w="38100">
+            <a:solidFill>
+              <a:srgbClr val="002060"/>
+            </a:solidFill>
+          </a:ln>
+        </p:spPr>
+        <p:style>
+          <a:lnRef idx="2">
+            <a:schemeClr val="accent1">
+              <a:shade val="50000"/>
+            </a:schemeClr>
+          </a:lnRef>
+          <a:fillRef idx="1">
+            <a:schemeClr val="accent1"/>
+          </a:fillRef>
+          <a:effectRef idx="0">
+            <a:schemeClr val="accent1"/>
+          </a:effectRef>
+          <a:fontRef idx="minor">
+            <a:schemeClr val="lt1"/>
+          </a:fontRef>
+        </p:style>
+        <p:txBody>
+          <a:bodyPr rtlCol="0" anchor="ctr"/>
+          <a:lstStyle/>
+          <a:p>
+            <a:pPr algn="ctr"/>
+            <a:endParaRPr kumimoji="1" lang="ja-JP" altLang="en-US"/>
+          </a:p>
+        </p:txBody>
+      </p:sp>
+      <p:sp>
+        <p:nvSpPr>
+          <p:cNvPr id="6" name="テキスト ボックス 5"/>
           <p:cNvSpPr txBox="1"/>
           <p:nvPr/>
         </p:nvSpPr>
         <p:spPr>
           <a:xfrm>
-            <a:off x="3897137" y="3044279"/>
-            <a:ext cx="1349725" cy="769441"/>
+            <a:off x="6212140" y="2528036"/>
+            <a:ext cx="1944889" cy="523220"/>
           </a:xfrm>
           <a:prstGeom prst="rect">
             <a:avLst/>
@@ -4101,14 +4212,46 @@
           <a:p>
             <a:pPr algn="ctr"/>
             <a:r>
-              <a:rPr lang="ja-JP" altLang="en-US" sz="4400" dirty="0">
+              <a:rPr kumimoji="1" lang="ja-JP" altLang="en-US" sz="2800" dirty="0">
+                <a:ln w="25400">
+                  <a:solidFill>
+                    <a:srgbClr val="002060"/>
+                  </a:solidFill>
+                </a:ln>
+                <a:solidFill>
+                  <a:schemeClr val="bg1"/>
+                </a:solidFill>
                 <a:latin typeface="メイリオ" panose="020B0604030504040204" pitchFamily="50" charset="-128"/>
                 <a:ea typeface="メイリオ" panose="020B0604030504040204" pitchFamily="50" charset="-128"/>
                 <a:cs typeface="メイリオ" panose="020B0604030504040204" pitchFamily="50" charset="-128"/>
               </a:rPr>
-              <a:t>を</a:t>
-            </a:r>
-            <a:endParaRPr kumimoji="1" lang="en-US" altLang="ja-JP" sz="4400" dirty="0">
+              <a:t>します</a:t>
+            </a:r>
+            <a:r>
+              <a:rPr kumimoji="1" lang="en-US" altLang="ja-JP" sz="2800" dirty="0">
+                <a:ln w="25400">
+                  <a:solidFill>
+                    <a:srgbClr val="002060"/>
+                  </a:solidFill>
+                </a:ln>
+                <a:solidFill>
+                  <a:schemeClr val="bg1"/>
+                </a:solidFill>
+                <a:latin typeface="メイリオ" panose="020B0604030504040204" pitchFamily="50" charset="-128"/>
+                <a:ea typeface="メイリオ" panose="020B0604030504040204" pitchFamily="50" charset="-128"/>
+                <a:cs typeface="メイリオ" panose="020B0604030504040204" pitchFamily="50" charset="-128"/>
+              </a:rPr>
+              <a:t>!!</a:t>
+            </a:r>
+            <a:endParaRPr kumimoji="1" lang="ja-JP" altLang="en-US" sz="2800" dirty="0">
+              <a:ln w="25400">
+                <a:solidFill>
+                  <a:srgbClr val="002060"/>
+                </a:solidFill>
+              </a:ln>
+              <a:solidFill>
+                <a:schemeClr val="bg1"/>
+              </a:solidFill>
               <a:latin typeface="メイリオ" panose="020B0604030504040204" pitchFamily="50" charset="-128"/>
               <a:ea typeface="メイリオ" panose="020B0604030504040204" pitchFamily="50" charset="-128"/>
               <a:cs typeface="メイリオ" panose="020B0604030504040204" pitchFamily="50" charset="-128"/>
@@ -5184,8 +5327,8 @@
         </p:nvSpPr>
         <p:spPr>
           <a:xfrm>
-            <a:off x="1153912" y="2719733"/>
-            <a:ext cx="6836175" cy="2308324"/>
+            <a:off x="1016000" y="2274838"/>
+            <a:ext cx="8026400" cy="2308324"/>
           </a:xfrm>
           <a:prstGeom prst="rect">
             <a:avLst/>
@@ -5200,7 +5343,7 @@
           <a:p>
             <a:pPr algn="ctr"/>
             <a:r>
-              <a:rPr lang="ja-JP" altLang="en-US" sz="7200" b="1" dirty="0">
+              <a:rPr lang="ja-JP" altLang="en-US" sz="4800" b="1" dirty="0">
                 <a:ln w="28575">
                   <a:solidFill>
                     <a:srgbClr val="002060"/>
@@ -5213,9 +5356,9 @@
                 <a:ea typeface="メイリオ" panose="020B0604030504040204" pitchFamily="50" charset="-128"/>
                 <a:cs typeface="メイリオ" panose="020B0604030504040204" pitchFamily="50" charset="-128"/>
               </a:rPr>
-              <a:t>友達とゲームが</a:t>
-            </a:r>
-            <a:endParaRPr lang="en-US" altLang="ja-JP" sz="7200" b="1" dirty="0">
+              <a:t>友達と一緒に</a:t>
+            </a:r>
+            <a:endParaRPr lang="en-US" altLang="ja-JP" sz="4800" b="1" dirty="0">
               <a:ln w="28575">
                 <a:solidFill>
                   <a:srgbClr val="002060"/>
@@ -5232,7 +5375,7 @@
           <a:p>
             <a:pPr algn="ctr"/>
             <a:r>
-              <a:rPr lang="ja-JP" altLang="en-US" sz="7200" b="1" dirty="0">
+              <a:rPr lang="ja-JP" altLang="en-US" sz="4800" b="1" dirty="0">
                 <a:ln w="28575">
                   <a:solidFill>
                     <a:srgbClr val="002060"/>
@@ -5245,9 +5388,41 @@
                 <a:ea typeface="メイリオ" panose="020B0604030504040204" pitchFamily="50" charset="-128"/>
                 <a:cs typeface="メイリオ" panose="020B0604030504040204" pitchFamily="50" charset="-128"/>
               </a:rPr>
-              <a:t>できる！</a:t>
-            </a:r>
-            <a:endParaRPr kumimoji="1" lang="ja-JP" altLang="en-US" sz="7200" b="1" dirty="0">
+              <a:t>新しい仕組みを使って</a:t>
+            </a:r>
+            <a:endParaRPr lang="en-US" altLang="ja-JP" sz="4800" b="1" dirty="0">
+              <a:ln w="28575">
+                <a:solidFill>
+                  <a:srgbClr val="002060"/>
+                </a:solidFill>
+              </a:ln>
+              <a:solidFill>
+                <a:schemeClr val="bg1"/>
+              </a:solidFill>
+              <a:latin typeface="メイリオ" panose="020B0604030504040204" pitchFamily="50" charset="-128"/>
+              <a:ea typeface="メイリオ" panose="020B0604030504040204" pitchFamily="50" charset="-128"/>
+              <a:cs typeface="メイリオ" panose="020B0604030504040204" pitchFamily="50" charset="-128"/>
+            </a:endParaRPr>
+          </a:p>
+          <a:p>
+            <a:pPr algn="ctr"/>
+            <a:r>
+              <a:rPr lang="ja-JP" altLang="en-US" sz="4800" b="1" dirty="0">
+                <a:ln w="28575">
+                  <a:solidFill>
+                    <a:srgbClr val="002060"/>
+                  </a:solidFill>
+                </a:ln>
+                <a:solidFill>
+                  <a:schemeClr val="bg1"/>
+                </a:solidFill>
+                <a:latin typeface="メイリオ" panose="020B0604030504040204" pitchFamily="50" charset="-128"/>
+                <a:ea typeface="メイリオ" panose="020B0604030504040204" pitchFamily="50" charset="-128"/>
+                <a:cs typeface="メイリオ" panose="020B0604030504040204" pitchFamily="50" charset="-128"/>
+              </a:rPr>
+              <a:t>楽しい時間を過ごせます</a:t>
+            </a:r>
+            <a:endParaRPr kumimoji="1" lang="ja-JP" altLang="en-US" sz="4800" b="1" dirty="0">
               <a:ln w="28575">
                 <a:solidFill>
                   <a:srgbClr val="002060"/>
@@ -5295,59 +5470,14 @@
       </p:grpSpPr>
       <p:sp>
         <p:nvSpPr>
-          <p:cNvPr id="3" name="テキスト ボックス 2"/>
-          <p:cNvSpPr txBox="1"/>
-          <p:nvPr/>
-        </p:nvSpPr>
-        <p:spPr>
-          <a:xfrm>
-            <a:off x="1632862" y="1527315"/>
-            <a:ext cx="4572000" cy="1015663"/>
-          </a:xfrm>
-          <a:prstGeom prst="rect">
-            <a:avLst/>
-          </a:prstGeom>
-          <a:noFill/>
-        </p:spPr>
-        <p:txBody>
-          <a:bodyPr wrap="square" rtlCol="0">
-            <a:spAutoFit/>
-          </a:bodyPr>
-          <a:lstStyle/>
-          <a:p>
-            <a:pPr algn="ctr"/>
-            <a:r>
-              <a:rPr kumimoji="1" lang="en-US" altLang="ja-JP" sz="6000" dirty="0">
-                <a:solidFill>
-                  <a:srgbClr val="002060"/>
-                </a:solidFill>
-                <a:latin typeface="メイリオ" panose="020B0604030504040204" pitchFamily="50" charset="-128"/>
-                <a:ea typeface="メイリオ" panose="020B0604030504040204" pitchFamily="50" charset="-128"/>
-                <a:cs typeface="メイリオ" panose="020B0604030504040204" pitchFamily="50" charset="-128"/>
-              </a:rPr>
-              <a:t>3DS</a:t>
-            </a:r>
-            <a:endParaRPr kumimoji="1" lang="ja-JP" altLang="en-US" sz="6000" dirty="0">
-              <a:solidFill>
-                <a:srgbClr val="002060"/>
-              </a:solidFill>
-              <a:latin typeface="メイリオ" panose="020B0604030504040204" pitchFamily="50" charset="-128"/>
-              <a:ea typeface="メイリオ" panose="020B0604030504040204" pitchFamily="50" charset="-128"/>
-              <a:cs typeface="メイリオ" panose="020B0604030504040204" pitchFamily="50" charset="-128"/>
-            </a:endParaRPr>
-          </a:p>
-        </p:txBody>
-      </p:sp>
-      <p:sp>
-        <p:nvSpPr>
           <p:cNvPr id="4" name="テキスト ボックス 3"/>
           <p:cNvSpPr txBox="1"/>
           <p:nvPr/>
         </p:nvSpPr>
         <p:spPr>
           <a:xfrm>
-            <a:off x="5438622" y="1711980"/>
-            <a:ext cx="3705378" cy="646331"/>
+            <a:off x="2053771" y="1828095"/>
+            <a:ext cx="6154057" cy="646331"/>
           </a:xfrm>
           <a:prstGeom prst="rect">
             <a:avLst/>
@@ -5367,7 +5497,7 @@
                 <a:ea typeface="メイリオ" panose="020B0604030504040204" pitchFamily="50" charset="-128"/>
                 <a:cs typeface="メイリオ" panose="020B0604030504040204" pitchFamily="50" charset="-128"/>
               </a:rPr>
-              <a:t>とは違い</a:t>
+              <a:t>ほかのものとは違い</a:t>
             </a:r>
             <a:r>
               <a:rPr lang="en-US" altLang="ja-JP" sz="3600" dirty="0">
@@ -5387,14 +5517,14 @@
       </p:sp>
       <p:sp>
         <p:nvSpPr>
-          <p:cNvPr id="5" name="テキスト ボックス 4"/>
+          <p:cNvPr id="6" name="テキスト ボックス 5"/>
           <p:cNvSpPr txBox="1"/>
           <p:nvPr/>
         </p:nvSpPr>
         <p:spPr>
           <a:xfrm>
-            <a:off x="1153912" y="2719733"/>
-            <a:ext cx="6836175" cy="2308324"/>
+            <a:off x="1117600" y="2727643"/>
+            <a:ext cx="8026400" cy="2308324"/>
           </a:xfrm>
           <a:prstGeom prst="rect">
             <a:avLst/>
@@ -5409,8 +5539,8 @@
           <a:p>
             <a:pPr algn="ctr"/>
             <a:r>
-              <a:rPr kumimoji="1" lang="en-US" altLang="ja-JP" sz="7200" b="1" dirty="0" err="1">
-                <a:ln w="25400">
+              <a:rPr lang="ja-JP" altLang="en-US" sz="4800" b="1" dirty="0">
+                <a:ln w="28575">
                   <a:solidFill>
                     <a:srgbClr val="002060"/>
                   </a:solidFill>
@@ -5422,26 +5552,10 @@
                 <a:ea typeface="メイリオ" panose="020B0604030504040204" pitchFamily="50" charset="-128"/>
                 <a:cs typeface="メイリオ" panose="020B0604030504040204" pitchFamily="50" charset="-128"/>
               </a:rPr>
-              <a:t>amibo</a:t>
-            </a:r>
-            <a:r>
-              <a:rPr kumimoji="1" lang="ja-JP" altLang="en-US" sz="7200" b="1" dirty="0">
-                <a:ln w="25400">
-                  <a:solidFill>
-                    <a:srgbClr val="002060"/>
-                  </a:solidFill>
-                </a:ln>
-                <a:solidFill>
-                  <a:schemeClr val="bg1"/>
-                </a:solidFill>
-                <a:latin typeface="メイリオ" panose="020B0604030504040204" pitchFamily="50" charset="-128"/>
-                <a:ea typeface="メイリオ" panose="020B0604030504040204" pitchFamily="50" charset="-128"/>
-                <a:cs typeface="メイリオ" panose="020B0604030504040204" pitchFamily="50" charset="-128"/>
-              </a:rPr>
-              <a:t>を</a:t>
-            </a:r>
-            <a:endParaRPr kumimoji="1" lang="en-US" altLang="ja-JP" sz="7200" b="1" dirty="0">
-              <a:ln w="25400">
+              <a:t>持っているフィギュアをゲームと一緒に使うことができます</a:t>
+            </a:r>
+            <a:endParaRPr kumimoji="1" lang="ja-JP" altLang="en-US" sz="4800" b="1" dirty="0">
+              <a:ln w="28575">
                 <a:solidFill>
                   <a:srgbClr val="002060"/>
                 </a:solidFill>
@@ -5453,25 +5567,6 @@
               <a:ea typeface="メイリオ" panose="020B0604030504040204" pitchFamily="50" charset="-128"/>
               <a:cs typeface="メイリオ" panose="020B0604030504040204" pitchFamily="50" charset="-128"/>
             </a:endParaRPr>
-          </a:p>
-          <a:p>
-            <a:pPr algn="ctr"/>
-            <a:r>
-              <a:rPr kumimoji="1" lang="ja-JP" altLang="en-US" sz="7200" b="1" dirty="0">
-                <a:ln w="25400">
-                  <a:solidFill>
-                    <a:srgbClr val="002060"/>
-                  </a:solidFill>
-                </a:ln>
-                <a:solidFill>
-                  <a:schemeClr val="bg1"/>
-                </a:solidFill>
-                <a:latin typeface="メイリオ" panose="020B0604030504040204" pitchFamily="50" charset="-128"/>
-                <a:ea typeface="メイリオ" panose="020B0604030504040204" pitchFamily="50" charset="-128"/>
-                <a:cs typeface="メイリオ" panose="020B0604030504040204" pitchFamily="50" charset="-128"/>
-              </a:rPr>
-              <a:t>読み込める！</a:t>
-            </a:r>
           </a:p>
         </p:txBody>
       </p:sp>
@@ -5513,8 +5608,8 @@
         </p:nvSpPr>
         <p:spPr>
           <a:xfrm>
-            <a:off x="1153912" y="1443826"/>
-            <a:ext cx="6836175" cy="2308324"/>
+            <a:off x="1567543" y="1967974"/>
+            <a:ext cx="7576457" cy="2308324"/>
           </a:xfrm>
           <a:prstGeom prst="rect">
             <a:avLst/>
@@ -5529,7 +5624,7 @@
           <a:p>
             <a:pPr algn="ctr"/>
             <a:r>
-              <a:rPr kumimoji="1" lang="ja-JP" altLang="en-US" sz="7200" b="1" dirty="0">
+              <a:rPr kumimoji="1" lang="ja-JP" altLang="en-US" sz="4800" b="1" dirty="0">
                 <a:ln w="25400">
                   <a:solidFill>
                     <a:srgbClr val="002060"/>
@@ -5542,10 +5637,26 @@
                 <a:ea typeface="メイリオ" panose="020B0604030504040204" pitchFamily="50" charset="-128"/>
                 <a:cs typeface="メイリオ" panose="020B0604030504040204" pitchFamily="50" charset="-128"/>
               </a:rPr>
-              <a:t>どう</a:t>
-            </a:r>
-            <a:r>
-              <a:rPr kumimoji="1" lang="ja-JP" altLang="en-US" sz="7200" b="1" dirty="0" err="1">
+              <a:t>新しい技術にさわることで興味を広げることが</a:t>
+            </a:r>
+            <a:endParaRPr kumimoji="1" lang="en-US" altLang="ja-JP" sz="4800" b="1" dirty="0">
+              <a:ln w="25400">
+                <a:solidFill>
+                  <a:srgbClr val="002060"/>
+                </a:solidFill>
+              </a:ln>
+              <a:solidFill>
+                <a:schemeClr val="bg1"/>
+              </a:solidFill>
+              <a:latin typeface="メイリオ" panose="020B0604030504040204" pitchFamily="50" charset="-128"/>
+              <a:ea typeface="メイリオ" panose="020B0604030504040204" pitchFamily="50" charset="-128"/>
+              <a:cs typeface="メイリオ" panose="020B0604030504040204" pitchFamily="50" charset="-128"/>
+            </a:endParaRPr>
+          </a:p>
+          <a:p>
+            <a:pPr algn="ctr"/>
+            <a:r>
+              <a:rPr kumimoji="1" lang="ja-JP" altLang="en-US" sz="4800" b="1" dirty="0">
                 <a:ln w="25400">
                   <a:solidFill>
                     <a:srgbClr val="002060"/>
@@ -5558,43 +5669,50 @@
                 <a:ea typeface="メイリオ" panose="020B0604030504040204" pitchFamily="50" charset="-128"/>
                 <a:cs typeface="メイリオ" panose="020B0604030504040204" pitchFamily="50" charset="-128"/>
               </a:rPr>
-              <a:t>ぶつの</a:t>
-            </a:r>
-            <a:r>
-              <a:rPr kumimoji="1" lang="ja-JP" altLang="en-US" sz="7200" b="1" dirty="0">
-                <a:ln w="25400">
-                  <a:solidFill>
-                    <a:srgbClr val="002060"/>
-                  </a:solidFill>
-                </a:ln>
-                <a:solidFill>
-                  <a:schemeClr val="bg1"/>
-                </a:solidFill>
-                <a:latin typeface="メイリオ" panose="020B0604030504040204" pitchFamily="50" charset="-128"/>
-                <a:ea typeface="メイリオ" panose="020B0604030504040204" pitchFamily="50" charset="-128"/>
-                <a:cs typeface="メイリオ" panose="020B0604030504040204" pitchFamily="50" charset="-128"/>
-              </a:rPr>
-              <a:t>森が</a:t>
-            </a:r>
-          </a:p>
+              <a:t>できます</a:t>
+            </a:r>
+          </a:p>
+        </p:txBody>
+      </p:sp>
+      <p:sp>
+        <p:nvSpPr>
+          <p:cNvPr id="2" name="角丸四角形吹き出し 1"/>
+          <p:cNvSpPr/>
+          <p:nvPr/>
+        </p:nvSpPr>
+        <p:spPr>
+          <a:xfrm>
+            <a:off x="116114" y="4528457"/>
+            <a:ext cx="8069943" cy="1553029"/>
+          </a:xfrm>
+          <a:prstGeom prst="wedgeRoundRectCallout">
+            <a:avLst>
+              <a:gd name="adj1" fmla="val -7731"/>
+              <a:gd name="adj2" fmla="val -74883"/>
+              <a:gd name="adj3" fmla="val 16667"/>
+            </a:avLst>
+          </a:prstGeom>
+        </p:spPr>
+        <p:style>
+          <a:lnRef idx="2">
+            <a:schemeClr val="accent1"/>
+          </a:lnRef>
+          <a:fillRef idx="1">
+            <a:schemeClr val="lt1"/>
+          </a:fillRef>
+          <a:effectRef idx="0">
+            <a:schemeClr val="accent1"/>
+          </a:effectRef>
+          <a:fontRef idx="minor">
+            <a:schemeClr val="dk1"/>
+          </a:fontRef>
+        </p:style>
+        <p:txBody>
+          <a:bodyPr rtlCol="0" anchor="ctr"/>
+          <a:lstStyle/>
           <a:p>
             <a:pPr algn="ctr"/>
-            <a:r>
-              <a:rPr kumimoji="1" lang="ja-JP" altLang="en-US" sz="7200" b="1" dirty="0">
-                <a:ln w="25400">
-                  <a:solidFill>
-                    <a:srgbClr val="002060"/>
-                  </a:solidFill>
-                </a:ln>
-                <a:solidFill>
-                  <a:schemeClr val="bg1"/>
-                </a:solidFill>
-                <a:latin typeface="メイリオ" panose="020B0604030504040204" pitchFamily="50" charset="-128"/>
-                <a:ea typeface="メイリオ" panose="020B0604030504040204" pitchFamily="50" charset="-128"/>
-                <a:cs typeface="メイリオ" panose="020B0604030504040204" pitchFamily="50" charset="-128"/>
-              </a:rPr>
-              <a:t>やりたい</a:t>
-            </a:r>
+            <a:endParaRPr kumimoji="1" lang="ja-JP" altLang="en-US"/>
           </a:p>
         </p:txBody>
       </p:sp>
@@ -5606,8 +5724,8 @@
         </p:nvSpPr>
         <p:spPr>
           <a:xfrm>
-            <a:off x="4015413" y="4583147"/>
-            <a:ext cx="4742278" cy="584775"/>
+            <a:off x="4392784" y="5012583"/>
+            <a:ext cx="3793273" cy="584775"/>
           </a:xfrm>
           <a:prstGeom prst="rect">
             <a:avLst/>
@@ -5667,7 +5785,7 @@
         </p:nvSpPr>
         <p:spPr>
           <a:xfrm>
-            <a:off x="1814552" y="3752664"/>
+            <a:off x="236964" y="4889471"/>
             <a:ext cx="4572000" cy="830997"/>
           </a:xfrm>
           <a:prstGeom prst="rect">
@@ -5697,45 +5815,6 @@
               <a:solidFill>
                 <a:srgbClr val="002060"/>
               </a:solidFill>
-              <a:latin typeface="メイリオ" panose="020B0604030504040204" pitchFamily="50" charset="-128"/>
-              <a:ea typeface="メイリオ" panose="020B0604030504040204" pitchFamily="50" charset="-128"/>
-              <a:cs typeface="メイリオ" panose="020B0604030504040204" pitchFamily="50" charset="-128"/>
-            </a:endParaRPr>
-          </a:p>
-        </p:txBody>
-      </p:sp>
-      <p:sp>
-        <p:nvSpPr>
-          <p:cNvPr id="8" name="テキスト ボックス 7"/>
-          <p:cNvSpPr txBox="1"/>
-          <p:nvPr/>
-        </p:nvSpPr>
-        <p:spPr>
-          <a:xfrm>
-            <a:off x="1552353" y="3968107"/>
-            <a:ext cx="1170006" cy="400110"/>
-          </a:xfrm>
-          <a:prstGeom prst="rect">
-            <a:avLst/>
-          </a:prstGeom>
-          <a:noFill/>
-        </p:spPr>
-        <p:txBody>
-          <a:bodyPr wrap="square" rtlCol="0">
-            <a:spAutoFit/>
-          </a:bodyPr>
-          <a:lstStyle/>
-          <a:p>
-            <a:pPr algn="ctr"/>
-            <a:r>
-              <a:rPr lang="ja-JP" altLang="en-US" sz="2000" dirty="0">
-                <a:latin typeface="メイリオ" panose="020B0604030504040204" pitchFamily="50" charset="-128"/>
-                <a:ea typeface="メイリオ" panose="020B0604030504040204" pitchFamily="50" charset="-128"/>
-                <a:cs typeface="メイリオ" panose="020B0604030504040204" pitchFamily="50" charset="-128"/>
-              </a:rPr>
-              <a:t>から</a:t>
-            </a:r>
-            <a:endParaRPr kumimoji="1" lang="en-US" altLang="ja-JP" sz="2800" dirty="0">
               <a:latin typeface="メイリオ" panose="020B0604030504040204" pitchFamily="50" charset="-128"/>
               <a:ea typeface="メイリオ" panose="020B0604030504040204" pitchFamily="50" charset="-128"/>
               <a:cs typeface="メイリオ" panose="020B0604030504040204" pitchFamily="50" charset="-128"/>

--- a/RPG風.pptx
+++ b/RPG風.pptx
@@ -1998,163 +1998,49 @@
           <a:chExt cx="0" cy="0"/>
         </a:xfrm>
       </p:grpSpPr>
-      <p:pic>
-        <p:nvPicPr>
-          <p:cNvPr id="6" name="図 5"/>
-          <p:cNvPicPr>
-            <a:picLocks noChangeAspect="1"/>
-          </p:cNvPicPr>
-          <p:nvPr userDrawn="1"/>
-        </p:nvPicPr>
-        <p:blipFill>
-          <a:blip r:embed="rId2">
-            <a:extLst>
-              <a:ext uri="{28A0092B-C50C-407E-A947-70E740481C1C}">
-                <a14:useLocalDpi xmlns:a14="http://schemas.microsoft.com/office/drawing/2010/main" val="0"/>
-              </a:ext>
-            </a:extLst>
-          </a:blip>
-          <a:stretch>
-            <a:fillRect/>
-          </a:stretch>
-        </p:blipFill>
-        <p:spPr>
-          <a:xfrm>
-            <a:off x="0" y="0"/>
-            <a:ext cx="9144000" cy="6858000"/>
-          </a:xfrm>
-          <a:prstGeom prst="rect">
-            <a:avLst/>
-          </a:prstGeom>
-        </p:spPr>
-      </p:pic>
       <p:grpSp>
         <p:nvGrpSpPr>
-          <p:cNvPr id="11" name="グループ化 10"/>
+          <p:cNvPr id="4" name="グループ化 3"/>
           <p:cNvGrpSpPr/>
           <p:nvPr userDrawn="1"/>
         </p:nvGrpSpPr>
         <p:grpSpPr>
           <a:xfrm>
-            <a:off x="7384926" y="4887310"/>
-            <a:ext cx="1759074" cy="1970690"/>
-            <a:chOff x="4694043" y="3432297"/>
-            <a:chExt cx="2284591" cy="2900031"/>
+            <a:off x="0" y="0"/>
+            <a:ext cx="9144000" cy="6858000"/>
+            <a:chOff x="0" y="0"/>
+            <a:chExt cx="9144000" cy="6858000"/>
           </a:xfrm>
         </p:grpSpPr>
         <p:pic>
           <p:nvPicPr>
-            <p:cNvPr id="7" name="図 6"/>
-            <p:cNvPicPr>
-              <a:picLocks noChangeAspect="1"/>
-            </p:cNvPicPr>
-            <p:nvPr userDrawn="1"/>
-          </p:nvPicPr>
-          <p:blipFill rotWithShape="1">
-            <a:blip r:embed="rId3">
-              <a:extLst>
-                <a:ext uri="{28A0092B-C50C-407E-A947-70E740481C1C}">
-                  <a14:useLocalDpi xmlns:a14="http://schemas.microsoft.com/office/drawing/2010/main" val="0"/>
-                </a:ext>
-              </a:extLst>
-            </a:blip>
-            <a:srcRect l="33667" t="25242" r="32710" b="50148"/>
-            <a:stretch/>
-          </p:blipFill>
-          <p:spPr>
-            <a:xfrm>
-              <a:off x="4694043" y="5369634"/>
-              <a:ext cx="986471" cy="962694"/>
-            </a:xfrm>
-            <a:prstGeom prst="rect">
-              <a:avLst/>
-            </a:prstGeom>
-          </p:spPr>
-        </p:pic>
-        <p:pic>
-          <p:nvPicPr>
-            <p:cNvPr id="8" name="図 7"/>
-            <p:cNvPicPr>
-              <a:picLocks noChangeAspect="1"/>
-            </p:cNvPicPr>
-            <p:nvPr userDrawn="1"/>
-          </p:nvPicPr>
-          <p:blipFill rotWithShape="1">
-            <a:blip r:embed="rId4">
-              <a:extLst>
-                <a:ext uri="{28A0092B-C50C-407E-A947-70E740481C1C}">
-                  <a14:useLocalDpi xmlns:a14="http://schemas.microsoft.com/office/drawing/2010/main" val="0"/>
-                </a:ext>
-              </a:extLst>
-            </a:blip>
-            <a:srcRect l="33156" t="25242" r="31378" b="50149"/>
-            <a:stretch/>
-          </p:blipFill>
-          <p:spPr>
-            <a:xfrm>
-              <a:off x="5938109" y="3432297"/>
-              <a:ext cx="1040525" cy="962694"/>
-            </a:xfrm>
-            <a:prstGeom prst="rect">
-              <a:avLst/>
-            </a:prstGeom>
-          </p:spPr>
-        </p:pic>
-        <p:pic>
-          <p:nvPicPr>
-            <p:cNvPr id="9" name="図 8"/>
-            <p:cNvPicPr>
-              <a:picLocks noChangeAspect="1"/>
-            </p:cNvPicPr>
-            <p:nvPr userDrawn="1"/>
-          </p:nvPicPr>
-          <p:blipFill rotWithShape="1">
-            <a:blip r:embed="rId5">
-              <a:extLst>
-                <a:ext uri="{28A0092B-C50C-407E-A947-70E740481C1C}">
-                  <a14:useLocalDpi xmlns:a14="http://schemas.microsoft.com/office/drawing/2010/main" val="0"/>
-                </a:ext>
-              </a:extLst>
-            </a:blip>
-            <a:srcRect l="34588" t="25242" r="33171" b="50148"/>
-            <a:stretch/>
-          </p:blipFill>
-          <p:spPr>
-            <a:xfrm>
-              <a:off x="5680514" y="4641639"/>
-              <a:ext cx="945929" cy="962694"/>
-            </a:xfrm>
-            <a:prstGeom prst="rect">
-              <a:avLst/>
-            </a:prstGeom>
-          </p:spPr>
-        </p:pic>
-      </p:grpSp>
-      <p:grpSp>
-        <p:nvGrpSpPr>
-          <p:cNvPr id="15" name="グループ化 14"/>
-          <p:cNvGrpSpPr/>
-          <p:nvPr userDrawn="1"/>
-        </p:nvGrpSpPr>
-        <p:grpSpPr>
-          <a:xfrm>
-            <a:off x="160627" y="1690689"/>
-            <a:ext cx="1605112" cy="1471156"/>
-            <a:chOff x="213178" y="1690689"/>
-            <a:chExt cx="1969181" cy="1836282"/>
-          </a:xfrm>
-        </p:grpSpPr>
-        <p:pic>
-          <p:nvPicPr>
-            <p:cNvPr id="13" name="図 12"/>
+            <p:cNvPr id="6" name="図 5"/>
             <p:cNvPicPr>
               <a:picLocks noChangeAspect="1"/>
             </p:cNvPicPr>
             <p:nvPr userDrawn="1"/>
           </p:nvPicPr>
           <p:blipFill>
-            <a:blip r:embed="rId6">
+            <a:blip r:embed="rId2">
               <a:extLst>
+                <a:ext uri="{BEBA8EAE-BF5A-486C-A8C5-ECC9F3942E4B}">
+                  <a14:imgProps xmlns:a14="http://schemas.microsoft.com/office/drawing/2010/main">
+                    <a14:imgLayer r:embed="rId3">
+                      <a14:imgEffect>
+                        <a14:sharpenSoften amount="-95000"/>
+                      </a14:imgEffect>
+                      <a14:imgEffect>
+                        <a14:colorTemperature colorTemp="6700"/>
+                      </a14:imgEffect>
+                      <a14:imgEffect>
+                        <a14:saturation sat="110000"/>
+                      </a14:imgEffect>
+                      <a14:imgEffect>
+                        <a14:brightnessContrast bright="14000" contrast="-6000"/>
+                      </a14:imgEffect>
+                    </a14:imgLayer>
+                  </a14:imgProps>
+                </a:ext>
                 <a:ext uri="{28A0092B-C50C-407E-A947-70E740481C1C}">
                   <a14:useLocalDpi xmlns:a14="http://schemas.microsoft.com/office/drawing/2010/main" val="0"/>
                 </a:ext>
@@ -2166,44 +2052,209 @@
           </p:blipFill>
           <p:spPr>
             <a:xfrm>
-              <a:off x="213178" y="2486376"/>
-              <a:ext cx="1170669" cy="1040595"/>
+              <a:off x="0" y="0"/>
+              <a:ext cx="9144000" cy="6858000"/>
             </a:xfrm>
             <a:prstGeom prst="rect">
               <a:avLst/>
             </a:prstGeom>
+            <a:effectLst>
+              <a:softEdge rad="0"/>
+            </a:effectLst>
           </p:spPr>
         </p:pic>
-        <p:pic>
-          <p:nvPicPr>
-            <p:cNvPr id="14" name="図 13"/>
-            <p:cNvPicPr>
-              <a:picLocks noChangeAspect="1"/>
-            </p:cNvPicPr>
+        <p:grpSp>
+          <p:nvGrpSpPr>
+            <p:cNvPr id="3" name="グループ化 2"/>
+            <p:cNvGrpSpPr/>
             <p:nvPr userDrawn="1"/>
-          </p:nvPicPr>
-          <p:blipFill>
-            <a:blip r:embed="rId6">
-              <a:extLst>
-                <a:ext uri="{28A0092B-C50C-407E-A947-70E740481C1C}">
-                  <a14:useLocalDpi xmlns:a14="http://schemas.microsoft.com/office/drawing/2010/main" val="0"/>
-                </a:ext>
-              </a:extLst>
-            </a:blip>
-            <a:stretch>
-              <a:fillRect/>
-            </a:stretch>
-          </p:blipFill>
-          <p:spPr>
+          </p:nvGrpSpPr>
+          <p:grpSpPr>
             <a:xfrm>
-              <a:off x="1011690" y="1690689"/>
-              <a:ext cx="1170669" cy="1040595"/>
+              <a:off x="136971" y="4887310"/>
+              <a:ext cx="9007029" cy="1970690"/>
+              <a:chOff x="136971" y="4887310"/>
+              <a:chExt cx="9007029" cy="1970690"/>
             </a:xfrm>
-            <a:prstGeom prst="rect">
-              <a:avLst/>
-            </a:prstGeom>
-          </p:spPr>
-        </p:pic>
+          </p:grpSpPr>
+          <p:grpSp>
+            <p:nvGrpSpPr>
+              <p:cNvPr id="11" name="グループ化 10"/>
+              <p:cNvGrpSpPr/>
+              <p:nvPr userDrawn="1"/>
+            </p:nvGrpSpPr>
+            <p:grpSpPr>
+              <a:xfrm>
+                <a:off x="7384926" y="4887310"/>
+                <a:ext cx="1759074" cy="1970690"/>
+                <a:chOff x="4694043" y="3432297"/>
+                <a:chExt cx="2284591" cy="2900031"/>
+              </a:xfrm>
+            </p:grpSpPr>
+            <p:pic>
+              <p:nvPicPr>
+                <p:cNvPr id="7" name="図 6"/>
+                <p:cNvPicPr>
+                  <a:picLocks noChangeAspect="1"/>
+                </p:cNvPicPr>
+                <p:nvPr userDrawn="1"/>
+              </p:nvPicPr>
+              <p:blipFill rotWithShape="1">
+                <a:blip r:embed="rId4">
+                  <a:extLst>
+                    <a:ext uri="{28A0092B-C50C-407E-A947-70E740481C1C}">
+                      <a14:useLocalDpi xmlns:a14="http://schemas.microsoft.com/office/drawing/2010/main" val="0"/>
+                    </a:ext>
+                  </a:extLst>
+                </a:blip>
+                <a:srcRect l="33667" t="25242" r="32710" b="50148"/>
+                <a:stretch/>
+              </p:blipFill>
+              <p:spPr>
+                <a:xfrm>
+                  <a:off x="4694043" y="5369634"/>
+                  <a:ext cx="986471" cy="962694"/>
+                </a:xfrm>
+                <a:prstGeom prst="rect">
+                  <a:avLst/>
+                </a:prstGeom>
+              </p:spPr>
+            </p:pic>
+            <p:pic>
+              <p:nvPicPr>
+                <p:cNvPr id="8" name="図 7"/>
+                <p:cNvPicPr>
+                  <a:picLocks noChangeAspect="1"/>
+                </p:cNvPicPr>
+                <p:nvPr userDrawn="1"/>
+              </p:nvPicPr>
+              <p:blipFill rotWithShape="1">
+                <a:blip r:embed="rId5">
+                  <a:extLst>
+                    <a:ext uri="{28A0092B-C50C-407E-A947-70E740481C1C}">
+                      <a14:useLocalDpi xmlns:a14="http://schemas.microsoft.com/office/drawing/2010/main" val="0"/>
+                    </a:ext>
+                  </a:extLst>
+                </a:blip>
+                <a:srcRect l="33156" t="25242" r="31378" b="50149"/>
+                <a:stretch/>
+              </p:blipFill>
+              <p:spPr>
+                <a:xfrm>
+                  <a:off x="5938109" y="3432297"/>
+                  <a:ext cx="1040525" cy="962694"/>
+                </a:xfrm>
+                <a:prstGeom prst="rect">
+                  <a:avLst/>
+                </a:prstGeom>
+              </p:spPr>
+            </p:pic>
+            <p:pic>
+              <p:nvPicPr>
+                <p:cNvPr id="9" name="図 8"/>
+                <p:cNvPicPr>
+                  <a:picLocks noChangeAspect="1"/>
+                </p:cNvPicPr>
+                <p:nvPr userDrawn="1"/>
+              </p:nvPicPr>
+              <p:blipFill rotWithShape="1">
+                <a:blip r:embed="rId6">
+                  <a:extLst>
+                    <a:ext uri="{28A0092B-C50C-407E-A947-70E740481C1C}">
+                      <a14:useLocalDpi xmlns:a14="http://schemas.microsoft.com/office/drawing/2010/main" val="0"/>
+                    </a:ext>
+                  </a:extLst>
+                </a:blip>
+                <a:srcRect l="34588" t="25242" r="33171" b="50148"/>
+                <a:stretch/>
+              </p:blipFill>
+              <p:spPr>
+                <a:xfrm>
+                  <a:off x="5680514" y="4641639"/>
+                  <a:ext cx="945929" cy="962694"/>
+                </a:xfrm>
+                <a:prstGeom prst="rect">
+                  <a:avLst/>
+                </a:prstGeom>
+              </p:spPr>
+            </p:pic>
+          </p:grpSp>
+          <p:grpSp>
+            <p:nvGrpSpPr>
+              <p:cNvPr id="15" name="グループ化 14"/>
+              <p:cNvGrpSpPr/>
+              <p:nvPr userDrawn="1"/>
+            </p:nvGrpSpPr>
+            <p:grpSpPr>
+              <a:xfrm>
+                <a:off x="136971" y="4995419"/>
+                <a:ext cx="1431348" cy="1764974"/>
+                <a:chOff x="158367" y="1417353"/>
+                <a:chExt cx="1756004" cy="2203022"/>
+              </a:xfrm>
+            </p:grpSpPr>
+            <p:pic>
+              <p:nvPicPr>
+                <p:cNvPr id="13" name="図 12"/>
+                <p:cNvPicPr>
+                  <a:picLocks noChangeAspect="1"/>
+                </p:cNvPicPr>
+                <p:nvPr userDrawn="1"/>
+              </p:nvPicPr>
+              <p:blipFill>
+                <a:blip r:embed="rId7">
+                  <a:extLst>
+                    <a:ext uri="{28A0092B-C50C-407E-A947-70E740481C1C}">
+                      <a14:useLocalDpi xmlns:a14="http://schemas.microsoft.com/office/drawing/2010/main" val="0"/>
+                    </a:ext>
+                  </a:extLst>
+                </a:blip>
+                <a:stretch>
+                  <a:fillRect/>
+                </a:stretch>
+              </p:blipFill>
+              <p:spPr>
+                <a:xfrm>
+                  <a:off x="743702" y="2579781"/>
+                  <a:ext cx="1170669" cy="1040594"/>
+                </a:xfrm>
+                <a:prstGeom prst="rect">
+                  <a:avLst/>
+                </a:prstGeom>
+              </p:spPr>
+            </p:pic>
+            <p:pic>
+              <p:nvPicPr>
+                <p:cNvPr id="14" name="図 13"/>
+                <p:cNvPicPr>
+                  <a:picLocks noChangeAspect="1"/>
+                </p:cNvPicPr>
+                <p:nvPr userDrawn="1"/>
+              </p:nvPicPr>
+              <p:blipFill>
+                <a:blip r:embed="rId7">
+                  <a:extLst>
+                    <a:ext uri="{28A0092B-C50C-407E-A947-70E740481C1C}">
+                      <a14:useLocalDpi xmlns:a14="http://schemas.microsoft.com/office/drawing/2010/main" val="0"/>
+                    </a:ext>
+                  </a:extLst>
+                </a:blip>
+                <a:stretch>
+                  <a:fillRect/>
+                </a:stretch>
+              </p:blipFill>
+              <p:spPr>
+                <a:xfrm>
+                  <a:off x="158367" y="1417353"/>
+                  <a:ext cx="1170669" cy="1040596"/>
+                </a:xfrm>
+                <a:prstGeom prst="rect">
+                  <a:avLst/>
+                </a:prstGeom>
+              </p:spPr>
+            </p:pic>
+          </p:grpSp>
+        </p:grpSp>
       </p:grpSp>
     </p:spTree>
     <p:extLst>
@@ -2300,163 +2351,49 @@
           </a:p>
         </p:txBody>
       </p:sp>
-      <p:pic>
-        <p:nvPicPr>
-          <p:cNvPr id="5" name="図 4"/>
-          <p:cNvPicPr>
-            <a:picLocks noChangeAspect="1"/>
-          </p:cNvPicPr>
-          <p:nvPr userDrawn="1"/>
-        </p:nvPicPr>
-        <p:blipFill>
-          <a:blip r:embed="rId2">
-            <a:extLst>
-              <a:ext uri="{28A0092B-C50C-407E-A947-70E740481C1C}">
-                <a14:useLocalDpi xmlns:a14="http://schemas.microsoft.com/office/drawing/2010/main" val="0"/>
-              </a:ext>
-            </a:extLst>
-          </a:blip>
-          <a:stretch>
-            <a:fillRect/>
-          </a:stretch>
-        </p:blipFill>
-        <p:spPr>
-          <a:xfrm>
-            <a:off x="0" y="0"/>
-            <a:ext cx="9144000" cy="6858000"/>
-          </a:xfrm>
-          <a:prstGeom prst="rect">
-            <a:avLst/>
-          </a:prstGeom>
-        </p:spPr>
-      </p:pic>
       <p:grpSp>
         <p:nvGrpSpPr>
-          <p:cNvPr id="6" name="グループ化 5"/>
+          <p:cNvPr id="14" name="グループ化 13"/>
           <p:cNvGrpSpPr/>
           <p:nvPr userDrawn="1"/>
         </p:nvGrpSpPr>
         <p:grpSpPr>
           <a:xfrm>
-            <a:off x="7384926" y="4887310"/>
-            <a:ext cx="1759074" cy="1970690"/>
-            <a:chOff x="4694043" y="3432297"/>
-            <a:chExt cx="2284591" cy="2900031"/>
+            <a:off x="0" y="0"/>
+            <a:ext cx="9144000" cy="6858000"/>
+            <a:chOff x="0" y="0"/>
+            <a:chExt cx="9144000" cy="6858000"/>
           </a:xfrm>
         </p:grpSpPr>
         <p:pic>
           <p:nvPicPr>
-            <p:cNvPr id="7" name="図 6"/>
-            <p:cNvPicPr>
-              <a:picLocks noChangeAspect="1"/>
-            </p:cNvPicPr>
-            <p:nvPr userDrawn="1"/>
-          </p:nvPicPr>
-          <p:blipFill rotWithShape="1">
-            <a:blip r:embed="rId3">
-              <a:extLst>
-                <a:ext uri="{28A0092B-C50C-407E-A947-70E740481C1C}">
-                  <a14:useLocalDpi xmlns:a14="http://schemas.microsoft.com/office/drawing/2010/main" val="0"/>
-                </a:ext>
-              </a:extLst>
-            </a:blip>
-            <a:srcRect l="33667" t="25242" r="32710" b="50148"/>
-            <a:stretch/>
-          </p:blipFill>
-          <p:spPr>
-            <a:xfrm>
-              <a:off x="4694043" y="5369634"/>
-              <a:ext cx="986471" cy="962694"/>
-            </a:xfrm>
-            <a:prstGeom prst="rect">
-              <a:avLst/>
-            </a:prstGeom>
-          </p:spPr>
-        </p:pic>
-        <p:pic>
-          <p:nvPicPr>
-            <p:cNvPr id="8" name="図 7"/>
-            <p:cNvPicPr>
-              <a:picLocks noChangeAspect="1"/>
-            </p:cNvPicPr>
-            <p:nvPr userDrawn="1"/>
-          </p:nvPicPr>
-          <p:blipFill rotWithShape="1">
-            <a:blip r:embed="rId4">
-              <a:extLst>
-                <a:ext uri="{28A0092B-C50C-407E-A947-70E740481C1C}">
-                  <a14:useLocalDpi xmlns:a14="http://schemas.microsoft.com/office/drawing/2010/main" val="0"/>
-                </a:ext>
-              </a:extLst>
-            </a:blip>
-            <a:srcRect l="33156" t="25242" r="31378" b="50149"/>
-            <a:stretch/>
-          </p:blipFill>
-          <p:spPr>
-            <a:xfrm>
-              <a:off x="5938109" y="3432297"/>
-              <a:ext cx="1040525" cy="962694"/>
-            </a:xfrm>
-            <a:prstGeom prst="rect">
-              <a:avLst/>
-            </a:prstGeom>
-          </p:spPr>
-        </p:pic>
-        <p:pic>
-          <p:nvPicPr>
-            <p:cNvPr id="9" name="図 8"/>
-            <p:cNvPicPr>
-              <a:picLocks noChangeAspect="1"/>
-            </p:cNvPicPr>
-            <p:nvPr userDrawn="1"/>
-          </p:nvPicPr>
-          <p:blipFill rotWithShape="1">
-            <a:blip r:embed="rId5">
-              <a:extLst>
-                <a:ext uri="{28A0092B-C50C-407E-A947-70E740481C1C}">
-                  <a14:useLocalDpi xmlns:a14="http://schemas.microsoft.com/office/drawing/2010/main" val="0"/>
-                </a:ext>
-              </a:extLst>
-            </a:blip>
-            <a:srcRect l="34588" t="25242" r="33171" b="50148"/>
-            <a:stretch/>
-          </p:blipFill>
-          <p:spPr>
-            <a:xfrm>
-              <a:off x="5680514" y="4641639"/>
-              <a:ext cx="945929" cy="962694"/>
-            </a:xfrm>
-            <a:prstGeom prst="rect">
-              <a:avLst/>
-            </a:prstGeom>
-          </p:spPr>
-        </p:pic>
-      </p:grpSp>
-      <p:grpSp>
-        <p:nvGrpSpPr>
-          <p:cNvPr id="10" name="グループ化 9"/>
-          <p:cNvGrpSpPr/>
-          <p:nvPr userDrawn="1"/>
-        </p:nvGrpSpPr>
-        <p:grpSpPr>
-          <a:xfrm>
-            <a:off x="160627" y="1690689"/>
-            <a:ext cx="1605112" cy="1471156"/>
-            <a:chOff x="213178" y="1690689"/>
-            <a:chExt cx="1969181" cy="1836282"/>
-          </a:xfrm>
-        </p:grpSpPr>
-        <p:pic>
-          <p:nvPicPr>
-            <p:cNvPr id="11" name="図 10"/>
+            <p:cNvPr id="15" name="図 14"/>
             <p:cNvPicPr>
               <a:picLocks noChangeAspect="1"/>
             </p:cNvPicPr>
             <p:nvPr userDrawn="1"/>
           </p:nvPicPr>
           <p:blipFill>
-            <a:blip r:embed="rId6">
+            <a:blip r:embed="rId2">
               <a:extLst>
+                <a:ext uri="{BEBA8EAE-BF5A-486C-A8C5-ECC9F3942E4B}">
+                  <a14:imgProps xmlns:a14="http://schemas.microsoft.com/office/drawing/2010/main">
+                    <a14:imgLayer r:embed="rId3">
+                      <a14:imgEffect>
+                        <a14:sharpenSoften amount="-95000"/>
+                      </a14:imgEffect>
+                      <a14:imgEffect>
+                        <a14:colorTemperature colorTemp="6700"/>
+                      </a14:imgEffect>
+                      <a14:imgEffect>
+                        <a14:saturation sat="110000"/>
+                      </a14:imgEffect>
+                      <a14:imgEffect>
+                        <a14:brightnessContrast bright="14000" contrast="-6000"/>
+                      </a14:imgEffect>
+                    </a14:imgLayer>
+                  </a14:imgProps>
+                </a:ext>
                 <a:ext uri="{28A0092B-C50C-407E-A947-70E740481C1C}">
                   <a14:useLocalDpi xmlns:a14="http://schemas.microsoft.com/office/drawing/2010/main" val="0"/>
                 </a:ext>
@@ -2468,44 +2405,209 @@
           </p:blipFill>
           <p:spPr>
             <a:xfrm>
-              <a:off x="213178" y="2486376"/>
-              <a:ext cx="1170669" cy="1040595"/>
+              <a:off x="0" y="0"/>
+              <a:ext cx="9144000" cy="6858000"/>
             </a:xfrm>
             <a:prstGeom prst="rect">
               <a:avLst/>
             </a:prstGeom>
+            <a:effectLst>
+              <a:softEdge rad="0"/>
+            </a:effectLst>
           </p:spPr>
         </p:pic>
-        <p:pic>
-          <p:nvPicPr>
-            <p:cNvPr id="12" name="図 11"/>
-            <p:cNvPicPr>
-              <a:picLocks noChangeAspect="1"/>
-            </p:cNvPicPr>
+        <p:grpSp>
+          <p:nvGrpSpPr>
+            <p:cNvPr id="16" name="グループ化 15"/>
+            <p:cNvGrpSpPr/>
             <p:nvPr userDrawn="1"/>
-          </p:nvPicPr>
-          <p:blipFill>
-            <a:blip r:embed="rId6">
-              <a:extLst>
-                <a:ext uri="{28A0092B-C50C-407E-A947-70E740481C1C}">
-                  <a14:useLocalDpi xmlns:a14="http://schemas.microsoft.com/office/drawing/2010/main" val="0"/>
-                </a:ext>
-              </a:extLst>
-            </a:blip>
-            <a:stretch>
-              <a:fillRect/>
-            </a:stretch>
-          </p:blipFill>
-          <p:spPr>
+          </p:nvGrpSpPr>
+          <p:grpSpPr>
             <a:xfrm>
-              <a:off x="1011690" y="1690689"/>
-              <a:ext cx="1170669" cy="1040595"/>
+              <a:off x="136971" y="4887310"/>
+              <a:ext cx="9007029" cy="1970690"/>
+              <a:chOff x="136971" y="4887310"/>
+              <a:chExt cx="9007029" cy="1970690"/>
             </a:xfrm>
-            <a:prstGeom prst="rect">
-              <a:avLst/>
-            </a:prstGeom>
-          </p:spPr>
-        </p:pic>
+          </p:grpSpPr>
+          <p:grpSp>
+            <p:nvGrpSpPr>
+              <p:cNvPr id="17" name="グループ化 16"/>
+              <p:cNvGrpSpPr/>
+              <p:nvPr userDrawn="1"/>
+            </p:nvGrpSpPr>
+            <p:grpSpPr>
+              <a:xfrm>
+                <a:off x="7384926" y="4887310"/>
+                <a:ext cx="1759074" cy="1970690"/>
+                <a:chOff x="4694043" y="3432297"/>
+                <a:chExt cx="2284591" cy="2900031"/>
+              </a:xfrm>
+            </p:grpSpPr>
+            <p:pic>
+              <p:nvPicPr>
+                <p:cNvPr id="21" name="図 20"/>
+                <p:cNvPicPr>
+                  <a:picLocks noChangeAspect="1"/>
+                </p:cNvPicPr>
+                <p:nvPr userDrawn="1"/>
+              </p:nvPicPr>
+              <p:blipFill rotWithShape="1">
+                <a:blip r:embed="rId4">
+                  <a:extLst>
+                    <a:ext uri="{28A0092B-C50C-407E-A947-70E740481C1C}">
+                      <a14:useLocalDpi xmlns:a14="http://schemas.microsoft.com/office/drawing/2010/main" val="0"/>
+                    </a:ext>
+                  </a:extLst>
+                </a:blip>
+                <a:srcRect l="33667" t="25242" r="32710" b="50148"/>
+                <a:stretch/>
+              </p:blipFill>
+              <p:spPr>
+                <a:xfrm>
+                  <a:off x="4694043" y="5369634"/>
+                  <a:ext cx="986471" cy="962694"/>
+                </a:xfrm>
+                <a:prstGeom prst="rect">
+                  <a:avLst/>
+                </a:prstGeom>
+              </p:spPr>
+            </p:pic>
+            <p:pic>
+              <p:nvPicPr>
+                <p:cNvPr id="22" name="図 21"/>
+                <p:cNvPicPr>
+                  <a:picLocks noChangeAspect="1"/>
+                </p:cNvPicPr>
+                <p:nvPr userDrawn="1"/>
+              </p:nvPicPr>
+              <p:blipFill rotWithShape="1">
+                <a:blip r:embed="rId5">
+                  <a:extLst>
+                    <a:ext uri="{28A0092B-C50C-407E-A947-70E740481C1C}">
+                      <a14:useLocalDpi xmlns:a14="http://schemas.microsoft.com/office/drawing/2010/main" val="0"/>
+                    </a:ext>
+                  </a:extLst>
+                </a:blip>
+                <a:srcRect l="33156" t="25242" r="31378" b="50149"/>
+                <a:stretch/>
+              </p:blipFill>
+              <p:spPr>
+                <a:xfrm>
+                  <a:off x="5938109" y="3432297"/>
+                  <a:ext cx="1040525" cy="962694"/>
+                </a:xfrm>
+                <a:prstGeom prst="rect">
+                  <a:avLst/>
+                </a:prstGeom>
+              </p:spPr>
+            </p:pic>
+            <p:pic>
+              <p:nvPicPr>
+                <p:cNvPr id="23" name="図 22"/>
+                <p:cNvPicPr>
+                  <a:picLocks noChangeAspect="1"/>
+                </p:cNvPicPr>
+                <p:nvPr userDrawn="1"/>
+              </p:nvPicPr>
+              <p:blipFill rotWithShape="1">
+                <a:blip r:embed="rId6">
+                  <a:extLst>
+                    <a:ext uri="{28A0092B-C50C-407E-A947-70E740481C1C}">
+                      <a14:useLocalDpi xmlns:a14="http://schemas.microsoft.com/office/drawing/2010/main" val="0"/>
+                    </a:ext>
+                  </a:extLst>
+                </a:blip>
+                <a:srcRect l="34588" t="25242" r="33171" b="50148"/>
+                <a:stretch/>
+              </p:blipFill>
+              <p:spPr>
+                <a:xfrm>
+                  <a:off x="5680514" y="4641639"/>
+                  <a:ext cx="945929" cy="962694"/>
+                </a:xfrm>
+                <a:prstGeom prst="rect">
+                  <a:avLst/>
+                </a:prstGeom>
+              </p:spPr>
+            </p:pic>
+          </p:grpSp>
+          <p:grpSp>
+            <p:nvGrpSpPr>
+              <p:cNvPr id="18" name="グループ化 17"/>
+              <p:cNvGrpSpPr/>
+              <p:nvPr userDrawn="1"/>
+            </p:nvGrpSpPr>
+            <p:grpSpPr>
+              <a:xfrm>
+                <a:off x="136971" y="4995419"/>
+                <a:ext cx="1431348" cy="1764974"/>
+                <a:chOff x="158367" y="1417353"/>
+                <a:chExt cx="1756004" cy="2203022"/>
+              </a:xfrm>
+            </p:grpSpPr>
+            <p:pic>
+              <p:nvPicPr>
+                <p:cNvPr id="19" name="図 18"/>
+                <p:cNvPicPr>
+                  <a:picLocks noChangeAspect="1"/>
+                </p:cNvPicPr>
+                <p:nvPr userDrawn="1"/>
+              </p:nvPicPr>
+              <p:blipFill>
+                <a:blip r:embed="rId7">
+                  <a:extLst>
+                    <a:ext uri="{28A0092B-C50C-407E-A947-70E740481C1C}">
+                      <a14:useLocalDpi xmlns:a14="http://schemas.microsoft.com/office/drawing/2010/main" val="0"/>
+                    </a:ext>
+                  </a:extLst>
+                </a:blip>
+                <a:stretch>
+                  <a:fillRect/>
+                </a:stretch>
+              </p:blipFill>
+              <p:spPr>
+                <a:xfrm>
+                  <a:off x="743702" y="2579781"/>
+                  <a:ext cx="1170669" cy="1040594"/>
+                </a:xfrm>
+                <a:prstGeom prst="rect">
+                  <a:avLst/>
+                </a:prstGeom>
+              </p:spPr>
+            </p:pic>
+            <p:pic>
+              <p:nvPicPr>
+                <p:cNvPr id="20" name="図 19"/>
+                <p:cNvPicPr>
+                  <a:picLocks noChangeAspect="1"/>
+                </p:cNvPicPr>
+                <p:nvPr userDrawn="1"/>
+              </p:nvPicPr>
+              <p:blipFill>
+                <a:blip r:embed="rId7">
+                  <a:extLst>
+                    <a:ext uri="{28A0092B-C50C-407E-A947-70E740481C1C}">
+                      <a14:useLocalDpi xmlns:a14="http://schemas.microsoft.com/office/drawing/2010/main" val="0"/>
+                    </a:ext>
+                  </a:extLst>
+                </a:blip>
+                <a:stretch>
+                  <a:fillRect/>
+                </a:stretch>
+              </p:blipFill>
+              <p:spPr>
+                <a:xfrm>
+                  <a:off x="158367" y="1417353"/>
+                  <a:ext cx="1170669" cy="1040596"/>
+                </a:xfrm>
+                <a:prstGeom prst="rect">
+                  <a:avLst/>
+                </a:prstGeom>
+              </p:spPr>
+            </p:pic>
+          </p:grpSp>
+        </p:grpSp>
       </p:grpSp>
     </p:spTree>
     <p:extLst>
@@ -3747,80 +3849,6 @@
       </p:grpSpPr>
       <p:sp>
         <p:nvSpPr>
-          <p:cNvPr id="5" name="テキスト ボックス 4"/>
-          <p:cNvSpPr txBox="1"/>
-          <p:nvPr/>
-        </p:nvSpPr>
-        <p:spPr>
-          <a:xfrm>
-            <a:off x="1683657" y="1859340"/>
-            <a:ext cx="7460343" cy="1569660"/>
-          </a:xfrm>
-          <a:prstGeom prst="rect">
-            <a:avLst/>
-          </a:prstGeom>
-          <a:noFill/>
-        </p:spPr>
-        <p:txBody>
-          <a:bodyPr wrap="square" rtlCol="0">
-            <a:spAutoFit/>
-          </a:bodyPr>
-          <a:lstStyle/>
-          <a:p>
-            <a:pPr algn="ctr"/>
-            <a:r>
-              <a:rPr kumimoji="1" lang="ja-JP" altLang="en-US" sz="4800" b="1" dirty="0">
-                <a:ln w="25400">
-                  <a:solidFill>
-                    <a:srgbClr val="002060"/>
-                  </a:solidFill>
-                </a:ln>
-                <a:solidFill>
-                  <a:schemeClr val="bg1"/>
-                </a:solidFill>
-                <a:latin typeface="メイリオ" panose="020B0604030504040204" pitchFamily="50" charset="-128"/>
-                <a:ea typeface="メイリオ" panose="020B0604030504040204" pitchFamily="50" charset="-128"/>
-                <a:cs typeface="メイリオ" panose="020B0604030504040204" pitchFamily="50" charset="-128"/>
-              </a:rPr>
-              <a:t>新しい友達とも楽しく</a:t>
-            </a:r>
-            <a:endParaRPr kumimoji="1" lang="en-US" altLang="ja-JP" sz="4800" b="1" dirty="0">
-              <a:ln w="25400">
-                <a:solidFill>
-                  <a:srgbClr val="002060"/>
-                </a:solidFill>
-              </a:ln>
-              <a:solidFill>
-                <a:schemeClr val="bg1"/>
-              </a:solidFill>
-              <a:latin typeface="メイリオ" panose="020B0604030504040204" pitchFamily="50" charset="-128"/>
-              <a:ea typeface="メイリオ" panose="020B0604030504040204" pitchFamily="50" charset="-128"/>
-              <a:cs typeface="メイリオ" panose="020B0604030504040204" pitchFamily="50" charset="-128"/>
-            </a:endParaRPr>
-          </a:p>
-          <a:p>
-            <a:pPr algn="ctr"/>
-            <a:r>
-              <a:rPr kumimoji="1" lang="ja-JP" altLang="en-US" sz="4800" b="1" dirty="0">
-                <a:ln w="25400">
-                  <a:solidFill>
-                    <a:srgbClr val="002060"/>
-                  </a:solidFill>
-                </a:ln>
-                <a:solidFill>
-                  <a:schemeClr val="bg1"/>
-                </a:solidFill>
-                <a:latin typeface="メイリオ" panose="020B0604030504040204" pitchFamily="50" charset="-128"/>
-                <a:ea typeface="メイリオ" panose="020B0604030504040204" pitchFamily="50" charset="-128"/>
-                <a:cs typeface="メイリオ" panose="020B0604030504040204" pitchFamily="50" charset="-128"/>
-              </a:rPr>
-              <a:t>みんなで盛り上がれる</a:t>
-            </a:r>
-          </a:p>
-        </p:txBody>
-      </p:sp>
-      <p:sp>
-        <p:nvSpPr>
           <p:cNvPr id="6" name="テキスト ボックス 5"/>
           <p:cNvSpPr txBox="1"/>
           <p:nvPr/>
@@ -3922,6 +3950,80 @@
               <a:ea typeface="メイリオ" panose="020B0604030504040204" pitchFamily="50" charset="-128"/>
               <a:cs typeface="メイリオ" panose="020B0604030504040204" pitchFamily="50" charset="-128"/>
             </a:endParaRPr>
+          </a:p>
+        </p:txBody>
+      </p:sp>
+      <p:sp>
+        <p:nvSpPr>
+          <p:cNvPr id="8" name="テキスト ボックス 7"/>
+          <p:cNvSpPr txBox="1"/>
+          <p:nvPr/>
+        </p:nvSpPr>
+        <p:spPr>
+          <a:xfrm>
+            <a:off x="116115" y="1978070"/>
+            <a:ext cx="8953458" cy="1569660"/>
+          </a:xfrm>
+          <a:prstGeom prst="rect">
+            <a:avLst/>
+          </a:prstGeom>
+          <a:noFill/>
+        </p:spPr>
+        <p:txBody>
+          <a:bodyPr wrap="square" rtlCol="0">
+            <a:spAutoFit/>
+          </a:bodyPr>
+          <a:lstStyle/>
+          <a:p>
+            <a:pPr algn="ctr"/>
+            <a:r>
+              <a:rPr kumimoji="1" lang="ja-JP" altLang="en-US" sz="4800" dirty="0">
+                <a:ln w="25400">
+                  <a:solidFill>
+                    <a:srgbClr val="002060"/>
+                  </a:solidFill>
+                </a:ln>
+                <a:solidFill>
+                  <a:srgbClr val="002060"/>
+                </a:solidFill>
+                <a:latin typeface="メイリオ" panose="020B0604030504040204" pitchFamily="50" charset="-128"/>
+                <a:ea typeface="メイリオ" panose="020B0604030504040204" pitchFamily="50" charset="-128"/>
+                <a:cs typeface="メイリオ" panose="020B0604030504040204" pitchFamily="50" charset="-128"/>
+              </a:rPr>
+              <a:t>新しい友達とも楽しく</a:t>
+            </a:r>
+            <a:endParaRPr kumimoji="1" lang="en-US" altLang="ja-JP" sz="4800" dirty="0">
+              <a:ln w="25400">
+                <a:solidFill>
+                  <a:srgbClr val="002060"/>
+                </a:solidFill>
+              </a:ln>
+              <a:solidFill>
+                <a:srgbClr val="002060"/>
+              </a:solidFill>
+              <a:latin typeface="メイリオ" panose="020B0604030504040204" pitchFamily="50" charset="-128"/>
+              <a:ea typeface="メイリオ" panose="020B0604030504040204" pitchFamily="50" charset="-128"/>
+              <a:cs typeface="メイリオ" panose="020B0604030504040204" pitchFamily="50" charset="-128"/>
+            </a:endParaRPr>
+          </a:p>
+          <a:p>
+            <a:pPr algn="ctr"/>
+            <a:r>
+              <a:rPr kumimoji="1" lang="ja-JP" altLang="en-US" sz="4800" dirty="0">
+                <a:ln w="25400">
+                  <a:solidFill>
+                    <a:srgbClr val="002060"/>
+                  </a:solidFill>
+                </a:ln>
+                <a:solidFill>
+                  <a:srgbClr val="002060"/>
+                </a:solidFill>
+                <a:latin typeface="メイリオ" panose="020B0604030504040204" pitchFamily="50" charset="-128"/>
+                <a:ea typeface="メイリオ" panose="020B0604030504040204" pitchFamily="50" charset="-128"/>
+                <a:cs typeface="メイリオ" panose="020B0604030504040204" pitchFamily="50" charset="-128"/>
+              </a:rPr>
+              <a:t>みんなで盛り上がれる</a:t>
+            </a:r>
           </a:p>
         </p:txBody>
       </p:sp>
@@ -3979,14 +4081,14 @@
           <a:p>
             <a:pPr algn="ctr"/>
             <a:r>
-              <a:rPr kumimoji="1" lang="ja-JP" altLang="en-US" sz="4400" b="1" dirty="0">
+              <a:rPr kumimoji="1" lang="ja-JP" altLang="en-US" sz="4400" dirty="0">
                 <a:ln w="25400">
                   <a:solidFill>
                     <a:srgbClr val="002060"/>
                   </a:solidFill>
                 </a:ln>
                 <a:solidFill>
-                  <a:schemeClr val="bg1"/>
+                  <a:srgbClr val="002060"/>
                 </a:solidFill>
                 <a:latin typeface="メイリオ" panose="020B0604030504040204" pitchFamily="50" charset="-128"/>
                 <a:ea typeface="メイリオ" panose="020B0604030504040204" pitchFamily="50" charset="-128"/>
@@ -3995,14 +4097,14 @@
               <a:t>もし買ってくれるなら</a:t>
             </a:r>
             <a:r>
-              <a:rPr kumimoji="1" lang="en-US" altLang="ja-JP" sz="4400" b="1" dirty="0">
+              <a:rPr kumimoji="1" lang="en-US" altLang="ja-JP" sz="4400" dirty="0">
                 <a:ln w="25400">
                   <a:solidFill>
                     <a:srgbClr val="002060"/>
                   </a:solidFill>
                 </a:ln>
                 <a:solidFill>
-                  <a:schemeClr val="bg1"/>
+                  <a:srgbClr val="002060"/>
                 </a:solidFill>
                 <a:latin typeface="メイリオ" panose="020B0604030504040204" pitchFamily="50" charset="-128"/>
                 <a:ea typeface="メイリオ" panose="020B0604030504040204" pitchFamily="50" charset="-128"/>
@@ -4010,14 +4112,14 @@
               </a:rPr>
               <a:t>…</a:t>
             </a:r>
-            <a:endParaRPr kumimoji="1" lang="ja-JP" altLang="en-US" sz="4400" b="1" dirty="0">
+            <a:endParaRPr kumimoji="1" lang="ja-JP" altLang="en-US" sz="4400" dirty="0">
               <a:ln w="25400">
                 <a:solidFill>
                   <a:srgbClr val="002060"/>
                 </a:solidFill>
               </a:ln>
               <a:solidFill>
-                <a:schemeClr val="bg1"/>
+                <a:srgbClr val="002060"/>
               </a:solidFill>
               <a:latin typeface="メイリオ" panose="020B0604030504040204" pitchFamily="50" charset="-128"/>
               <a:ea typeface="メイリオ" panose="020B0604030504040204" pitchFamily="50" charset="-128"/>
@@ -4064,13 +4166,15 @@
         </p:nvSpPr>
         <p:spPr>
           <a:xfrm>
-            <a:off x="1153912" y="1714680"/>
+            <a:off x="1173777" y="1374437"/>
             <a:ext cx="6836175" cy="769441"/>
           </a:xfrm>
           <a:prstGeom prst="rect">
             <a:avLst/>
           </a:prstGeom>
-          <a:noFill/>
+          <a:solidFill>
+            <a:schemeClr val="bg1"/>
+          </a:solidFill>
         </p:spPr>
         <p:txBody>
           <a:bodyPr wrap="square" rtlCol="0">
@@ -4080,14 +4184,14 @@
           <a:p>
             <a:pPr algn="ctr"/>
             <a:r>
-              <a:rPr kumimoji="1" lang="ja-JP" altLang="en-US" sz="4400" b="1" dirty="0">
+              <a:rPr kumimoji="1" lang="ja-JP" altLang="en-US" sz="4400" dirty="0">
                 <a:ln w="25400">
                   <a:solidFill>
                     <a:srgbClr val="002060"/>
                   </a:solidFill>
                 </a:ln>
                 <a:solidFill>
-                  <a:schemeClr val="bg1"/>
+                  <a:srgbClr val="002060"/>
                 </a:solidFill>
                 <a:latin typeface="メイリオ" panose="020B0604030504040204" pitchFamily="50" charset="-128"/>
                 <a:ea typeface="メイリオ" panose="020B0604030504040204" pitchFamily="50" charset="-128"/>
@@ -4106,8 +4210,8 @@
         </p:nvSpPr>
         <p:spPr>
           <a:xfrm>
-            <a:off x="246743" y="4215488"/>
-            <a:ext cx="7743344" cy="1569660"/>
+            <a:off x="712381" y="4204855"/>
+            <a:ext cx="7758968" cy="1323439"/>
           </a:xfrm>
           <a:prstGeom prst="rect">
             <a:avLst/>
@@ -4122,20 +4226,52 @@
           <a:p>
             <a:pPr algn="ctr"/>
             <a:r>
-              <a:rPr kumimoji="1" lang="ja-JP" altLang="en-US" sz="4800" b="1" dirty="0">
+              <a:rPr kumimoji="1" lang="ja-JP" altLang="en-US" sz="4000" dirty="0">
                 <a:ln w="25400">
                   <a:solidFill>
                     <a:srgbClr val="002060"/>
                   </a:solidFill>
                 </a:ln>
                 <a:solidFill>
-                  <a:schemeClr val="bg1"/>
+                  <a:srgbClr val="002060"/>
                 </a:solidFill>
                 <a:latin typeface="メイリオ" panose="020B0604030504040204" pitchFamily="50" charset="-128"/>
                 <a:ea typeface="メイリオ" panose="020B0604030504040204" pitchFamily="50" charset="-128"/>
                 <a:cs typeface="メイリオ" panose="020B0604030504040204" pitchFamily="50" charset="-128"/>
               </a:rPr>
-              <a:t>毎日朝ごはんを食べた後と，夜ご飯食べた後</a:t>
+              <a:t>毎日朝ごはんを食べた後と，</a:t>
+            </a:r>
+            <a:endParaRPr kumimoji="1" lang="en-US" altLang="ja-JP" sz="4000" dirty="0">
+              <a:ln w="25400">
+                <a:solidFill>
+                  <a:srgbClr val="002060"/>
+                </a:solidFill>
+              </a:ln>
+              <a:solidFill>
+                <a:srgbClr val="002060"/>
+              </a:solidFill>
+              <a:latin typeface="メイリオ" panose="020B0604030504040204" pitchFamily="50" charset="-128"/>
+              <a:ea typeface="メイリオ" panose="020B0604030504040204" pitchFamily="50" charset="-128"/>
+              <a:cs typeface="メイリオ" panose="020B0604030504040204" pitchFamily="50" charset="-128"/>
+            </a:endParaRPr>
+          </a:p>
+          <a:p>
+            <a:pPr algn="ctr"/>
+            <a:r>
+              <a:rPr kumimoji="1" lang="ja-JP" altLang="en-US" sz="4000" dirty="0">
+                <a:ln w="25400">
+                  <a:solidFill>
+                    <a:srgbClr val="002060"/>
+                  </a:solidFill>
+                </a:ln>
+                <a:solidFill>
+                  <a:srgbClr val="002060"/>
+                </a:solidFill>
+                <a:latin typeface="メイリオ" panose="020B0604030504040204" pitchFamily="50" charset="-128"/>
+                <a:ea typeface="メイリオ" panose="020B0604030504040204" pitchFamily="50" charset="-128"/>
+                <a:cs typeface="メイリオ" panose="020B0604030504040204" pitchFamily="50" charset="-128"/>
+              </a:rPr>
+              <a:t>夜ご飯食べた後</a:t>
             </a:r>
           </a:p>
         </p:txBody>
@@ -4196,7 +4332,7 @@
         </p:nvSpPr>
         <p:spPr>
           <a:xfrm>
-            <a:off x="6212140" y="2528036"/>
+            <a:off x="6212140" y="2571951"/>
             <a:ext cx="1944889" cy="523220"/>
           </a:xfrm>
           <a:prstGeom prst="rect">
@@ -4603,7 +4739,7 @@
         </p:blipFill>
         <p:spPr>
           <a:xfrm>
-            <a:off x="0" y="4593646"/>
+            <a:off x="0" y="2296823"/>
             <a:ext cx="2402328" cy="2264354"/>
           </a:xfrm>
           <a:prstGeom prst="rect">
@@ -4632,7 +4768,7 @@
         </p:blipFill>
         <p:spPr>
           <a:xfrm>
-            <a:off x="6814344" y="0"/>
+            <a:off x="6814345" y="2282434"/>
             <a:ext cx="2329655" cy="2278743"/>
           </a:xfrm>
           <a:prstGeom prst="rect">
@@ -4730,7 +4866,7 @@
             <a:r>
               <a:rPr kumimoji="1" lang="en-US" altLang="ja-JP" sz="7200" dirty="0">
                 <a:solidFill>
-                  <a:schemeClr val="tx2"/>
+                  <a:srgbClr val="002060"/>
                 </a:solidFill>
                 <a:latin typeface="メイリオ" panose="020B0604030504040204" pitchFamily="50" charset="-128"/>
                 <a:ea typeface="メイリオ" panose="020B0604030504040204" pitchFamily="50" charset="-128"/>
@@ -4741,7 +4877,7 @@
             <a:r>
               <a:rPr kumimoji="1" lang="ja-JP" altLang="en-US" sz="7200" dirty="0">
                 <a:solidFill>
-                  <a:schemeClr val="tx2"/>
+                  <a:srgbClr val="002060"/>
                 </a:solidFill>
                 <a:latin typeface="メイリオ" panose="020B0604030504040204" pitchFamily="50" charset="-128"/>
                 <a:ea typeface="メイリオ" panose="020B0604030504040204" pitchFamily="50" charset="-128"/>
@@ -5321,14 +5457,14 @@
       </p:grpSpPr>
       <p:sp>
         <p:nvSpPr>
-          <p:cNvPr id="9" name="テキスト ボックス 8"/>
+          <p:cNvPr id="3" name="テキスト ボックス 2"/>
           <p:cNvSpPr txBox="1"/>
           <p:nvPr/>
         </p:nvSpPr>
         <p:spPr>
           <a:xfrm>
-            <a:off x="1016000" y="2274838"/>
-            <a:ext cx="8026400" cy="2308324"/>
+            <a:off x="190542" y="2274838"/>
+            <a:ext cx="8953458" cy="2308324"/>
           </a:xfrm>
           <a:prstGeom prst="rect">
             <a:avLst/>
@@ -5343,14 +5479,14 @@
           <a:p>
             <a:pPr algn="ctr"/>
             <a:r>
-              <a:rPr lang="ja-JP" altLang="en-US" sz="4800" b="1" dirty="0">
-                <a:ln w="28575">
+              <a:rPr kumimoji="1" lang="ja-JP" altLang="en-US" sz="4800" dirty="0">
+                <a:ln w="25400">
                   <a:solidFill>
                     <a:srgbClr val="002060"/>
                   </a:solidFill>
                 </a:ln>
                 <a:solidFill>
-                  <a:schemeClr val="bg1"/>
+                  <a:srgbClr val="002060"/>
                 </a:solidFill>
                 <a:latin typeface="メイリオ" panose="020B0604030504040204" pitchFamily="50" charset="-128"/>
                 <a:ea typeface="メイリオ" panose="020B0604030504040204" pitchFamily="50" charset="-128"/>
@@ -5358,31 +5494,18 @@
               </a:rPr>
               <a:t>友達と一緒に</a:t>
             </a:r>
-            <a:endParaRPr lang="en-US" altLang="ja-JP" sz="4800" b="1" dirty="0">
-              <a:ln w="28575">
-                <a:solidFill>
-                  <a:srgbClr val="002060"/>
-                </a:solidFill>
-              </a:ln>
-              <a:solidFill>
-                <a:schemeClr val="bg1"/>
-              </a:solidFill>
-              <a:latin typeface="メイリオ" panose="020B0604030504040204" pitchFamily="50" charset="-128"/>
-              <a:ea typeface="メイリオ" panose="020B0604030504040204" pitchFamily="50" charset="-128"/>
-              <a:cs typeface="メイリオ" panose="020B0604030504040204" pitchFamily="50" charset="-128"/>
-            </a:endParaRPr>
           </a:p>
           <a:p>
             <a:pPr algn="ctr"/>
             <a:r>
-              <a:rPr lang="ja-JP" altLang="en-US" sz="4800" b="1" dirty="0">
-                <a:ln w="28575">
+              <a:rPr kumimoji="1" lang="ja-JP" altLang="en-US" sz="4800" dirty="0">
+                <a:ln w="25400">
                   <a:solidFill>
                     <a:srgbClr val="002060"/>
                   </a:solidFill>
                 </a:ln>
                 <a:solidFill>
-                  <a:schemeClr val="bg1"/>
+                  <a:srgbClr val="002060"/>
                 </a:solidFill>
                 <a:latin typeface="メイリオ" panose="020B0604030504040204" pitchFamily="50" charset="-128"/>
                 <a:ea typeface="メイリオ" panose="020B0604030504040204" pitchFamily="50" charset="-128"/>
@@ -5390,31 +5513,18 @@
               </a:rPr>
               <a:t>新しい仕組みを使って</a:t>
             </a:r>
-            <a:endParaRPr lang="en-US" altLang="ja-JP" sz="4800" b="1" dirty="0">
-              <a:ln w="28575">
-                <a:solidFill>
-                  <a:srgbClr val="002060"/>
-                </a:solidFill>
-              </a:ln>
-              <a:solidFill>
-                <a:schemeClr val="bg1"/>
-              </a:solidFill>
-              <a:latin typeface="メイリオ" panose="020B0604030504040204" pitchFamily="50" charset="-128"/>
-              <a:ea typeface="メイリオ" panose="020B0604030504040204" pitchFamily="50" charset="-128"/>
-              <a:cs typeface="メイリオ" panose="020B0604030504040204" pitchFamily="50" charset="-128"/>
-            </a:endParaRPr>
           </a:p>
           <a:p>
             <a:pPr algn="ctr"/>
             <a:r>
-              <a:rPr lang="ja-JP" altLang="en-US" sz="4800" b="1" dirty="0">
-                <a:ln w="28575">
+              <a:rPr kumimoji="1" lang="ja-JP" altLang="en-US" sz="4800" dirty="0">
+                <a:ln w="25400">
                   <a:solidFill>
                     <a:srgbClr val="002060"/>
                   </a:solidFill>
                 </a:ln>
                 <a:solidFill>
-                  <a:schemeClr val="bg1"/>
+                  <a:srgbClr val="002060"/>
                 </a:solidFill>
                 <a:latin typeface="メイリオ" panose="020B0604030504040204" pitchFamily="50" charset="-128"/>
                 <a:ea typeface="メイリオ" panose="020B0604030504040204" pitchFamily="50" charset="-128"/>
@@ -5422,19 +5532,6 @@
               </a:rPr>
               <a:t>楽しい時間を過ごせます</a:t>
             </a:r>
-            <a:endParaRPr kumimoji="1" lang="ja-JP" altLang="en-US" sz="4800" b="1" dirty="0">
-              <a:ln w="28575">
-                <a:solidFill>
-                  <a:srgbClr val="002060"/>
-                </a:solidFill>
-              </a:ln>
-              <a:solidFill>
-                <a:schemeClr val="bg1"/>
-              </a:solidFill>
-              <a:latin typeface="メイリオ" panose="020B0604030504040204" pitchFamily="50" charset="-128"/>
-              <a:ea typeface="メイリオ" panose="020B0604030504040204" pitchFamily="50" charset="-128"/>
-              <a:cs typeface="メイリオ" panose="020B0604030504040204" pitchFamily="50" charset="-128"/>
-            </a:endParaRPr>
           </a:p>
         </p:txBody>
       </p:sp>
@@ -5476,7 +5573,7 @@
         </p:nvSpPr>
         <p:spPr>
           <a:xfrm>
-            <a:off x="2053771" y="1828095"/>
+            <a:off x="1494971" y="1583546"/>
             <a:ext cx="6154057" cy="646331"/>
           </a:xfrm>
           <a:prstGeom prst="rect">
@@ -5517,14 +5614,14 @@
       </p:sp>
       <p:sp>
         <p:nvSpPr>
-          <p:cNvPr id="6" name="テキスト ボックス 5"/>
+          <p:cNvPr id="5" name="テキスト ボックス 4"/>
           <p:cNvSpPr txBox="1"/>
           <p:nvPr/>
         </p:nvSpPr>
         <p:spPr>
           <a:xfrm>
-            <a:off x="1117600" y="2727643"/>
-            <a:ext cx="8026400" cy="2308324"/>
+            <a:off x="190542" y="2274838"/>
+            <a:ext cx="8953458" cy="2308324"/>
           </a:xfrm>
           <a:prstGeom prst="rect">
             <a:avLst/>
@@ -5539,34 +5636,85 @@
           <a:p>
             <a:pPr algn="ctr"/>
             <a:r>
-              <a:rPr lang="ja-JP" altLang="en-US" sz="4800" b="1" dirty="0">
-                <a:ln w="28575">
+              <a:rPr kumimoji="1" lang="ja-JP" altLang="en-US" sz="4800" dirty="0">
+                <a:ln w="25400">
                   <a:solidFill>
                     <a:srgbClr val="002060"/>
                   </a:solidFill>
                 </a:ln>
                 <a:solidFill>
-                  <a:schemeClr val="bg1"/>
+                  <a:srgbClr val="002060"/>
                 </a:solidFill>
                 <a:latin typeface="メイリオ" panose="020B0604030504040204" pitchFamily="50" charset="-128"/>
                 <a:ea typeface="メイリオ" panose="020B0604030504040204" pitchFamily="50" charset="-128"/>
                 <a:cs typeface="メイリオ" panose="020B0604030504040204" pitchFamily="50" charset="-128"/>
               </a:rPr>
-              <a:t>持っているフィギュアをゲームと一緒に使うことができます</a:t>
-            </a:r>
-            <a:endParaRPr kumimoji="1" lang="ja-JP" altLang="en-US" sz="4800" b="1" dirty="0">
-              <a:ln w="28575">
+              <a:t>持っているフィギュアを</a:t>
+            </a:r>
+            <a:endParaRPr kumimoji="1" lang="en-US" altLang="ja-JP" sz="4800" dirty="0">
+              <a:ln w="25400">
                 <a:solidFill>
                   <a:srgbClr val="002060"/>
                 </a:solidFill>
               </a:ln>
               <a:solidFill>
-                <a:schemeClr val="bg1"/>
+                <a:srgbClr val="002060"/>
               </a:solidFill>
               <a:latin typeface="メイリオ" panose="020B0604030504040204" pitchFamily="50" charset="-128"/>
               <a:ea typeface="メイリオ" panose="020B0604030504040204" pitchFamily="50" charset="-128"/>
               <a:cs typeface="メイリオ" panose="020B0604030504040204" pitchFamily="50" charset="-128"/>
             </a:endParaRPr>
+          </a:p>
+          <a:p>
+            <a:pPr algn="ctr"/>
+            <a:r>
+              <a:rPr kumimoji="1" lang="ja-JP" altLang="en-US" sz="4800" dirty="0">
+                <a:ln w="25400">
+                  <a:solidFill>
+                    <a:srgbClr val="002060"/>
+                  </a:solidFill>
+                </a:ln>
+                <a:solidFill>
+                  <a:srgbClr val="002060"/>
+                </a:solidFill>
+                <a:latin typeface="メイリオ" panose="020B0604030504040204" pitchFamily="50" charset="-128"/>
+                <a:ea typeface="メイリオ" panose="020B0604030504040204" pitchFamily="50" charset="-128"/>
+                <a:cs typeface="メイリオ" panose="020B0604030504040204" pitchFamily="50" charset="-128"/>
+              </a:rPr>
+              <a:t>ゲームと一緒に</a:t>
+            </a:r>
+            <a:endParaRPr kumimoji="1" lang="en-US" altLang="ja-JP" sz="4800" dirty="0">
+              <a:ln w="25400">
+                <a:solidFill>
+                  <a:srgbClr val="002060"/>
+                </a:solidFill>
+              </a:ln>
+              <a:solidFill>
+                <a:srgbClr val="002060"/>
+              </a:solidFill>
+              <a:latin typeface="メイリオ" panose="020B0604030504040204" pitchFamily="50" charset="-128"/>
+              <a:ea typeface="メイリオ" panose="020B0604030504040204" pitchFamily="50" charset="-128"/>
+              <a:cs typeface="メイリオ" panose="020B0604030504040204" pitchFamily="50" charset="-128"/>
+            </a:endParaRPr>
+          </a:p>
+          <a:p>
+            <a:pPr algn="ctr"/>
+            <a:r>
+              <a:rPr kumimoji="1" lang="ja-JP" altLang="en-US" sz="4800" dirty="0">
+                <a:ln w="25400">
+                  <a:solidFill>
+                    <a:srgbClr val="002060"/>
+                  </a:solidFill>
+                </a:ln>
+                <a:solidFill>
+                  <a:srgbClr val="002060"/>
+                </a:solidFill>
+                <a:latin typeface="メイリオ" panose="020B0604030504040204" pitchFamily="50" charset="-128"/>
+                <a:ea typeface="メイリオ" panose="020B0604030504040204" pitchFamily="50" charset="-128"/>
+                <a:cs typeface="メイリオ" panose="020B0604030504040204" pitchFamily="50" charset="-128"/>
+              </a:rPr>
+              <a:t>使うことができます</a:t>
+            </a:r>
           </a:p>
         </p:txBody>
       </p:sp>
@@ -5608,8 +5756,8 @@
         </p:nvSpPr>
         <p:spPr>
           <a:xfrm>
-            <a:off x="1567543" y="1967974"/>
-            <a:ext cx="7576457" cy="2308324"/>
+            <a:off x="116115" y="1978070"/>
+            <a:ext cx="8953458" cy="1569660"/>
           </a:xfrm>
           <a:prstGeom prst="rect">
             <a:avLst/>
@@ -5624,29 +5772,29 @@
           <a:p>
             <a:pPr algn="ctr"/>
             <a:r>
-              <a:rPr kumimoji="1" lang="ja-JP" altLang="en-US" sz="4800" b="1" dirty="0">
+              <a:rPr kumimoji="1" lang="ja-JP" altLang="en-US" sz="4800" dirty="0">
                 <a:ln w="25400">
                   <a:solidFill>
                     <a:srgbClr val="002060"/>
                   </a:solidFill>
                 </a:ln>
                 <a:solidFill>
-                  <a:schemeClr val="bg1"/>
+                  <a:srgbClr val="002060"/>
                 </a:solidFill>
                 <a:latin typeface="メイリオ" panose="020B0604030504040204" pitchFamily="50" charset="-128"/>
                 <a:ea typeface="メイリオ" panose="020B0604030504040204" pitchFamily="50" charset="-128"/>
                 <a:cs typeface="メイリオ" panose="020B0604030504040204" pitchFamily="50" charset="-128"/>
               </a:rPr>
-              <a:t>新しい技術にさわることで興味を広げることが</a:t>
-            </a:r>
-            <a:endParaRPr kumimoji="1" lang="en-US" altLang="ja-JP" sz="4800" b="1" dirty="0">
+              <a:t>新しい技術にさわることで</a:t>
+            </a:r>
+            <a:endParaRPr kumimoji="1" lang="en-US" altLang="ja-JP" sz="4800" dirty="0">
               <a:ln w="25400">
                 <a:solidFill>
                   <a:srgbClr val="002060"/>
                 </a:solidFill>
               </a:ln>
               <a:solidFill>
-                <a:schemeClr val="bg1"/>
+                <a:srgbClr val="002060"/>
               </a:solidFill>
               <a:latin typeface="メイリオ" panose="020B0604030504040204" pitchFamily="50" charset="-128"/>
               <a:ea typeface="メイリオ" panose="020B0604030504040204" pitchFamily="50" charset="-128"/>
@@ -5656,20 +5804,20 @@
           <a:p>
             <a:pPr algn="ctr"/>
             <a:r>
-              <a:rPr kumimoji="1" lang="ja-JP" altLang="en-US" sz="4800" b="1" dirty="0">
+              <a:rPr kumimoji="1" lang="ja-JP" altLang="en-US" sz="4800" dirty="0">
                 <a:ln w="25400">
                   <a:solidFill>
                     <a:srgbClr val="002060"/>
                   </a:solidFill>
                 </a:ln>
                 <a:solidFill>
-                  <a:schemeClr val="bg1"/>
+                  <a:srgbClr val="002060"/>
                 </a:solidFill>
                 <a:latin typeface="メイリオ" panose="020B0604030504040204" pitchFamily="50" charset="-128"/>
                 <a:ea typeface="メイリオ" panose="020B0604030504040204" pitchFamily="50" charset="-128"/>
                 <a:cs typeface="メイリオ" panose="020B0604030504040204" pitchFamily="50" charset="-128"/>
               </a:rPr>
-              <a:t>できます</a:t>
+              <a:t>興味を広げることができます</a:t>
             </a:r>
           </a:p>
         </p:txBody>
